--- a/examples/example.pptx
+++ b/examples/example.pptx
@@ -6,8 +6,15 @@
   </p:sldMasterIdLst>
   <p:sldIdLst>
     <p:sldId id="256" r:id="rId7"/>
+    <p:sldId id="257" r:id="rId8"/>
+    <p:sldId id="258" r:id="rId9"/>
+    <p:sldId id="259" r:id="rId10"/>
+    <p:sldId id="260" r:id="rId11"/>
+    <p:sldId id="261" r:id="rId12"/>
+    <p:sldId id="262" r:id="rId13"/>
+    <p:sldId id="263" r:id="rId14"/>
   </p:sldIdLst>
-  <p:sldSz cx="8229600" cy="6172200" type="screen4x3"/>
+  <p:sldSz cx="9144000" cy="6858000" type="screen4x3"/>
   <p:notesSz cx="6858000" cy="9144000"/>
   <p:defaultTextStyle>
     <a:defPPr>
@@ -3106,11 +3113,11 @@
             <a:r>
               <a:rPr sz="4400" b="1" i="0">
                 <a:solidFill>
-                  <a:srgbClr val="000000"/>
-                </a:solidFill>
-                <a:latin typeface="Calibri"/>
+                  <a:srgbClr val="003366"/>
+                </a:solidFill>
+                <a:latin typeface="Arial"/>
               </a:rPr>
-              <a:t>Markdown to PowerPoint Example</a:t>
+              <a:t>Title Slide</a:t>
             </a:r>
           </a:p>
         </p:txBody>
@@ -3141,7 +3148,7 @@
         <p:spPr>
           <a:xfrm>
             <a:off x="914400" y="1828800"/>
-            <a:ext cx="7315200" cy="731520"/>
+            <a:ext cx="7315200" cy="914400"/>
           </a:xfrm>
           <a:prstGeom prst="rect">
             <a:avLst/>
@@ -3156,13 +3163,13 @@
           <a:p>
             <a:pPr algn="l"/>
             <a:r>
-              <a:rPr sz="3200" b="1" i="0">
+              <a:rPr sz="2000" b="0" i="0">
                 <a:solidFill>
                   <a:srgbClr val="000000"/>
                 </a:solidFill>
-                <a:latin typeface="Calibri"/>
+                <a:latin typeface="Arial"/>
               </a:rPr>
-              <a:t>Introduction</a:t>
+              <a:t>🚀 STRINGS IN C++</a:t>
             </a:r>
           </a:p>
         </p:txBody>
@@ -3175,7 +3182,7 @@
         </p:nvSpPr>
         <p:spPr>
           <a:xfrm>
-            <a:off x="914400" y="2743200"/>
+            <a:off x="914400" y="2926080"/>
             <a:ext cx="7315200" cy="914400"/>
           </a:xfrm>
           <a:prstGeom prst="rect">
@@ -3191,27 +3198,151 @@
           <a:p>
             <a:pPr algn="l"/>
             <a:r>
-              <a:rPr sz="1800" b="0" i="0">
+              <a:rPr sz="2000" b="0" i="0">
                 <a:solidFill>
                   <a:srgbClr val="000000"/>
                 </a:solidFill>
-                <a:latin typeface="Calibri"/>
+                <a:latin typeface="Arial"/>
               </a:rPr>
-              <a:t>This is an example markdown file that demonstrates the features of md2ppt.</a:t>
-            </a:r>
-          </a:p>
-        </p:txBody>
-      </p:sp>
-      <p:sp>
-        <p:nvSpPr>
-          <p:cNvPr id="6" name="TextBox 5"/>
+              <a:t>Arrays With Character(s)</a:t>
+            </a:r>
+          </a:p>
+        </p:txBody>
+      </p:sp>
+    </p:spTree>
+  </p:cSld>
+  <p:clrMapOvr>
+    <a:masterClrMapping/>
+  </p:clrMapOvr>
+</p:sld>
+</file>
+
+<file path=ppt/slides/slide2.xml><?xml version="1.0" encoding="utf-8"?>
+<p:sld xmlns:a="http://schemas.openxmlformats.org/drawingml/2006/main" xmlns:p="http://schemas.openxmlformats.org/presentationml/2006/main" xmlns:r="http://schemas.openxmlformats.org/officeDocument/2006/relationships">
+  <p:cSld>
+    <p:spTree>
+      <p:nvGrpSpPr>
+        <p:cNvPr id="1" name=""/>
+        <p:cNvGrpSpPr/>
+        <p:nvPr/>
+      </p:nvGrpSpPr>
+      <p:grpSpPr/>
+      <p:sp>
+        <p:nvSpPr>
+          <p:cNvPr id="2" name="Title 1"/>
+          <p:cNvSpPr>
+            <a:spLocks noGrp="1"/>
+          </p:cNvSpPr>
+          <p:nvPr>
+            <p:ph type="title"/>
+          </p:nvPr>
+        </p:nvSpPr>
+        <p:spPr/>
+        <p:txBody>
+          <a:bodyPr/>
+          <a:lstStyle/>
+          <a:p>
+            <a:r>
+              <a:rPr sz="4400" b="1" i="0">
+                <a:solidFill>
+                  <a:srgbClr val="003366"/>
+                </a:solidFill>
+                <a:latin typeface="Arial"/>
+              </a:rPr>
+              <a:t>DSAin45 - Day 4</a:t>
+            </a:r>
+          </a:p>
+        </p:txBody>
+      </p:sp>
+      <p:sp>
+        <p:nvSpPr>
+          <p:cNvPr id="3" name="Content Placeholder 2"/>
+          <p:cNvSpPr>
+            <a:spLocks noGrp="1"/>
+          </p:cNvSpPr>
+          <p:nvPr>
+            <p:ph idx="1"/>
+          </p:nvPr>
+        </p:nvSpPr>
+        <p:spPr/>
+        <p:txBody>
+          <a:bodyPr/>
+          <a:lstStyle/>
+          <a:p/>
+        </p:txBody>
+      </p:sp>
+    </p:spTree>
+  </p:cSld>
+  <p:clrMapOvr>
+    <a:masterClrMapping/>
+  </p:clrMapOvr>
+</p:sld>
+</file>
+
+<file path=ppt/slides/slide3.xml><?xml version="1.0" encoding="utf-8"?>
+<p:sld xmlns:a="http://schemas.openxmlformats.org/drawingml/2006/main" xmlns:p="http://schemas.openxmlformats.org/presentationml/2006/main" xmlns:r="http://schemas.openxmlformats.org/officeDocument/2006/relationships">
+  <p:cSld>
+    <p:spTree>
+      <p:nvGrpSpPr>
+        <p:cNvPr id="1" name=""/>
+        <p:cNvGrpSpPr/>
+        <p:nvPr/>
+      </p:nvGrpSpPr>
+      <p:grpSpPr/>
+      <p:sp>
+        <p:nvSpPr>
+          <p:cNvPr id="2" name="Title 1"/>
+          <p:cNvSpPr>
+            <a:spLocks noGrp="1"/>
+          </p:cNvSpPr>
+          <p:nvPr>
+            <p:ph type="title"/>
+          </p:nvPr>
+        </p:nvSpPr>
+        <p:spPr/>
+        <p:txBody>
+          <a:bodyPr/>
+          <a:lstStyle/>
+          <a:p>
+            <a:r>
+              <a:rPr sz="4400" b="1" i="0">
+                <a:solidFill>
+                  <a:srgbClr val="003366"/>
+                </a:solidFill>
+                <a:latin typeface="Arial"/>
+              </a:rPr>
+              <a:t>What Exactly ARE Strings?</a:t>
+            </a:r>
+          </a:p>
+        </p:txBody>
+      </p:sp>
+      <p:sp>
+        <p:nvSpPr>
+          <p:cNvPr id="3" name="Content Placeholder 2"/>
+          <p:cNvSpPr>
+            <a:spLocks noGrp="1"/>
+          </p:cNvSpPr>
+          <p:nvPr>
+            <p:ph idx="1"/>
+          </p:nvPr>
+        </p:nvSpPr>
+        <p:spPr/>
+        <p:txBody>
+          <a:bodyPr/>
+          <a:lstStyle/>
+          <a:p/>
+        </p:txBody>
+      </p:sp>
+      <p:sp>
+        <p:nvSpPr>
+          <p:cNvPr id="4" name="TextBox 3"/>
           <p:cNvSpPr txBox="1"/>
           <p:nvPr/>
         </p:nvSpPr>
         <p:spPr>
           <a:xfrm>
-            <a:off x="914400" y="3840480"/>
-            <a:ext cx="7315200" cy="731520"/>
+            <a:off x="914400" y="1828800"/>
+            <a:ext cx="7315200" cy="914400"/>
           </a:xfrm>
           <a:prstGeom prst="rect">
             <a:avLst/>
@@ -3224,58 +3355,28 @@
           </a:bodyPr>
           <a:lstStyle/>
           <a:p>
-            <a:pPr>
-              <a:defRPr sz="1800"/>
-            </a:pPr>
-            <a:r>
-              <a:rPr sz="1800">
+            <a:pPr algn="l"/>
+            <a:r>
+              <a:rPr sz="2000" b="0" i="0">
                 <a:solidFill>
                   <a:srgbClr val="000000"/>
                 </a:solidFill>
-                <a:latin typeface="Calibri"/>
+                <a:latin typeface="Arial"/>
               </a:rPr>
-              <a:t>Convert markdown to PowerPoint slides</a:t>
-            </a:r>
-          </a:p>
-          <a:p>
-            <a:pPr>
-              <a:defRPr sz="1800"/>
-            </a:pPr>
-            <a:r>
-              <a:rPr sz="1800">
-                <a:solidFill>
-                  <a:srgbClr val="000000"/>
-                </a:solidFill>
-                <a:latin typeface="Calibri"/>
-              </a:rPr>
-              <a:t>Support for advanced PowerPoint features</a:t>
-            </a:r>
-          </a:p>
-          <a:p>
-            <a:pPr>
-              <a:defRPr sz="1800"/>
-            </a:pPr>
-            <a:r>
-              <a:rPr sz="1800">
-                <a:solidFill>
-                  <a:srgbClr val="000000"/>
-                </a:solidFill>
-                <a:latin typeface="Calibri"/>
-              </a:rPr>
-              <a:t>Easy-to-use command line interface</a:t>
-            </a:r>
-          </a:p>
-        </p:txBody>
-      </p:sp>
-      <p:sp>
-        <p:nvSpPr>
-          <p:cNvPr id="7" name="TextBox 6"/>
+              <a:t>At their core, strings are sequences of characters. But in C++, there are two main ways to represent them:</a:t>
+            </a:r>
+          </a:p>
+        </p:txBody>
+      </p:sp>
+      <p:sp>
+        <p:nvSpPr>
+          <p:cNvPr id="5" name="TextBox 4"/>
           <p:cNvSpPr txBox="1"/>
           <p:nvPr/>
         </p:nvSpPr>
         <p:spPr>
           <a:xfrm>
-            <a:off x="914400" y="4754880"/>
+            <a:off x="914400" y="2926080"/>
             <a:ext cx="7315200" cy="731520"/>
           </a:xfrm>
           <a:prstGeom prst="rect">
@@ -3291,100 +3392,26 @@
           <a:p>
             <a:pPr algn="l"/>
             <a:r>
-              <a:rPr sz="3200" b="1" i="0">
+              <a:rPr sz="3600" b="1" i="0">
                 <a:solidFill>
                   <a:srgbClr val="000000"/>
                 </a:solidFill>
-                <a:latin typeface="Calibri"/>
+                <a:latin typeface="Arial"/>
               </a:rPr>
-              <a:t>Formatting Examples</a:t>
-            </a:r>
-          </a:p>
-        </p:txBody>
-      </p:sp>
-      <p:sp>
-        <p:nvSpPr>
-          <p:cNvPr id="8" name="TextBox 7"/>
-          <p:cNvSpPr txBox="1"/>
-          <p:nvPr/>
-        </p:nvSpPr>
-        <p:spPr>
-          <a:xfrm>
-            <a:off x="914400" y="5669280"/>
-            <a:ext cx="7315200" cy="914400"/>
-          </a:xfrm>
-          <a:prstGeom prst="rect">
-            <a:avLst/>
-          </a:prstGeom>
-          <a:noFill/>
-        </p:spPr>
-        <p:txBody>
-          <a:bodyPr wrap="square">
-            <a:spAutoFit/>
-          </a:bodyPr>
-          <a:lstStyle/>
-          <a:p>
-            <a:pPr algn="l"/>
-            <a:r>
-              <a:rPr sz="1800" b="0" i="0">
-                <a:solidFill>
-                  <a:srgbClr val="000000"/>
-                </a:solidFill>
-                <a:latin typeface="Calibri"/>
-              </a:rPr>
-              <a:t>You can use **bold text** for emphasis.</a:t>
-            </a:r>
-            <a:br/>
-            <a:r>
-              <a:t>You can also use *italic text* when needed.</a:t>
-            </a:r>
-          </a:p>
-        </p:txBody>
-      </p:sp>
-      <p:sp>
-        <p:nvSpPr>
-          <p:cNvPr id="9" name="TextBox 8"/>
-          <p:cNvSpPr txBox="1"/>
-          <p:nvPr/>
-        </p:nvSpPr>
-        <p:spPr>
-          <a:xfrm>
-            <a:off x="914400" y="6766560"/>
-            <a:ext cx="7315200" cy="914400"/>
-          </a:xfrm>
-          <a:prstGeom prst="rect">
-            <a:avLst/>
-          </a:prstGeom>
-          <a:noFill/>
-        </p:spPr>
-        <p:txBody>
-          <a:bodyPr wrap="square">
-            <a:spAutoFit/>
-          </a:bodyPr>
-          <a:lstStyle/>
-          <a:p>
-            <a:pPr algn="l"/>
-            <a:r>
-              <a:rPr sz="1800" b="0" i="0">
-                <a:solidFill>
-                  <a:srgbClr val="000000"/>
-                </a:solidFill>
-                <a:latin typeface="Calibri"/>
-              </a:rPr>
-              <a:t>Code snippets are supported too:</a:t>
-            </a:r>
-          </a:p>
-        </p:txBody>
-      </p:sp>
-      <p:sp>
-        <p:nvSpPr>
-          <p:cNvPr id="10" name="Rectangle 9"/>
+              <a:t>1. C-style Strings (char arrays)</a:t>
+            </a:r>
+          </a:p>
+        </p:txBody>
+      </p:sp>
+      <p:sp>
+        <p:nvSpPr>
+          <p:cNvPr id="6" name="Rectangle 5"/>
           <p:cNvSpPr/>
           <p:nvPr/>
         </p:nvSpPr>
         <p:spPr>
           <a:xfrm>
-            <a:off x="914400" y="7863840"/>
+            <a:off x="914400" y="3840480"/>
             <a:ext cx="7315200" cy="1828800"/>
           </a:xfrm>
           <a:prstGeom prst="rect">
@@ -3426,25 +3453,21 @@
               </a:defRPr>
             </a:pPr>
             <a:r>
-              <a:t>def hello_world():</a:t>
+              <a:t>char greeting[] = "Hello"; // Compiler adds null terminator '\0'</a:t>
             </a:r>
             <a:br/>
-            <a:r>
-              <a:t>    print("Hello, world!")</a:t>
-            </a:r>
-            <a:br/>
-          </a:p>
-        </p:txBody>
-      </p:sp>
-      <p:sp>
-        <p:nvSpPr>
-          <p:cNvPr id="11" name="TextBox 10"/>
+          </a:p>
+        </p:txBody>
+      </p:sp>
+      <p:sp>
+        <p:nvSpPr>
+          <p:cNvPr id="7" name="TextBox 6"/>
           <p:cNvSpPr txBox="1"/>
           <p:nvPr/>
         </p:nvSpPr>
         <p:spPr>
           <a:xfrm>
-            <a:off x="914400" y="7589520"/>
+            <a:off x="914400" y="3566160"/>
             <a:ext cx="1828800" cy="182880"/>
           </a:xfrm>
           <a:prstGeom prst="rect">
@@ -3464,21 +3487,21 @@
                   <a:srgbClr val="646464"/>
                 </a:solidFill>
               </a:rPr>
-              <a:t>python</a:t>
-            </a:r>
-          </a:p>
-        </p:txBody>
-      </p:sp>
-      <p:sp>
-        <p:nvSpPr>
-          <p:cNvPr id="12" name="TextBox 11"/>
+              <a:t>cpp</a:t>
+            </a:r>
+          </a:p>
+        </p:txBody>
+      </p:sp>
+      <p:sp>
+        <p:nvSpPr>
+          <p:cNvPr id="8" name="TextBox 7"/>
           <p:cNvSpPr txBox="1"/>
           <p:nvPr/>
         </p:nvSpPr>
         <p:spPr>
           <a:xfrm>
-            <a:off x="914400" y="9875520"/>
-            <a:ext cx="7315200" cy="731520"/>
+            <a:off x="914400" y="5852160"/>
+            <a:ext cx="7315200" cy="914400"/>
           </a:xfrm>
           <a:prstGeom prst="rect">
             <a:avLst/>
@@ -3493,27 +3516,27 @@
           <a:p>
             <a:pPr algn="l"/>
             <a:r>
-              <a:rPr sz="3200" b="1" i="0">
+              <a:rPr sz="2000" b="0" i="0">
                 <a:solidFill>
                   <a:srgbClr val="000000"/>
                 </a:solidFill>
-                <a:latin typeface="Calibri"/>
+                <a:latin typeface="Arial"/>
               </a:rPr>
-              <a:t>Images</a:t>
-            </a:r>
-          </a:p>
-        </p:txBody>
-      </p:sp>
-      <p:sp>
-        <p:nvSpPr>
-          <p:cNvPr id="13" name="TextBox 12"/>
+              <a:t>That \0 at the end is the null terminator - it tells functions where the string ends.</a:t>
+            </a:r>
+          </a:p>
+        </p:txBody>
+      </p:sp>
+      <p:sp>
+        <p:nvSpPr>
+          <p:cNvPr id="9" name="TextBox 8"/>
           <p:cNvSpPr txBox="1"/>
           <p:nvPr/>
         </p:nvSpPr>
         <p:spPr>
           <a:xfrm>
-            <a:off x="914400" y="10789920"/>
-            <a:ext cx="7315200" cy="914400"/>
+            <a:off x="914400" y="6949440"/>
+            <a:ext cx="7315200" cy="731520"/>
           </a:xfrm>
           <a:prstGeom prst="rect">
             <a:avLst/>
@@ -3528,375 +3551,39 @@
           <a:p>
             <a:pPr algn="l"/>
             <a:r>
-              <a:rPr sz="1800" b="0" i="0">
+              <a:rPr sz="3600" b="1" i="0">
                 <a:solidFill>
                   <a:srgbClr val="000000"/>
                 </a:solidFill>
-                <a:latin typeface="Calibri"/>
+                <a:latin typeface="Arial"/>
               </a:rPr>
-              <a:t>You can include images in your slides:</a:t>
-            </a:r>
-          </a:p>
-        </p:txBody>
-      </p:sp>
-      <p:sp>
-        <p:nvSpPr>
-          <p:cNvPr id="14" name="TextBox 13"/>
-          <p:cNvSpPr txBox="1"/>
-          <p:nvPr/>
-        </p:nvSpPr>
-        <p:spPr>
-          <a:xfrm>
-            <a:off x="914400" y="11887200"/>
-            <a:ext cx="3657600" cy="914400"/>
-          </a:xfrm>
-          <a:prstGeom prst="rect">
-            <a:avLst/>
-          </a:prstGeom>
-          <a:noFill/>
-        </p:spPr>
-        <p:txBody>
-          <a:bodyPr wrap="none">
-            <a:spAutoFit/>
-          </a:bodyPr>
-          <a:lstStyle/>
-          <a:p>
-            <a:r>
-              <a:t>[Image Error: example.png]</a:t>
-            </a:r>
-          </a:p>
-        </p:txBody>
-      </p:sp>
-      <p:sp>
-        <p:nvSpPr>
-          <p:cNvPr id="15" name="TextBox 14"/>
-          <p:cNvSpPr txBox="1"/>
-          <p:nvPr/>
-        </p:nvSpPr>
-        <p:spPr>
-          <a:xfrm>
-            <a:off x="914400" y="12984480"/>
-            <a:ext cx="7315200" cy="731520"/>
-          </a:xfrm>
-          <a:prstGeom prst="rect">
-            <a:avLst/>
-          </a:prstGeom>
-          <a:noFill/>
-        </p:spPr>
-        <p:txBody>
-          <a:bodyPr wrap="square">
-            <a:spAutoFit/>
-          </a:bodyPr>
-          <a:lstStyle/>
-          <a:p>
-            <a:pPr algn="l"/>
-            <a:r>
-              <a:rPr sz="3200" b="1" i="0">
-                <a:solidFill>
-                  <a:srgbClr val="000000"/>
-                </a:solidFill>
-                <a:latin typeface="Calibri"/>
-              </a:rPr>
-              <a:t>Lists</a:t>
-            </a:r>
-          </a:p>
-        </p:txBody>
-      </p:sp>
-      <p:sp>
-        <p:nvSpPr>
-          <p:cNvPr id="16" name="TextBox 15"/>
-          <p:cNvSpPr txBox="1"/>
-          <p:nvPr/>
-        </p:nvSpPr>
-        <p:spPr>
-          <a:xfrm>
-            <a:off x="914400" y="13898880"/>
-            <a:ext cx="7315200" cy="914400"/>
-          </a:xfrm>
-          <a:prstGeom prst="rect">
-            <a:avLst/>
-          </a:prstGeom>
-          <a:noFill/>
-        </p:spPr>
-        <p:txBody>
-          <a:bodyPr wrap="square">
-            <a:spAutoFit/>
-          </a:bodyPr>
-          <a:lstStyle/>
-          <a:p>
-            <a:pPr algn="l"/>
-            <a:r>
-              <a:rPr sz="1800" b="0" i="0">
-                <a:solidFill>
-                  <a:srgbClr val="000000"/>
-                </a:solidFill>
-                <a:latin typeface="Calibri"/>
-              </a:rPr>
-              <a:t>Ordered lists:</a:t>
-            </a:r>
-          </a:p>
-        </p:txBody>
-      </p:sp>
-      <p:sp>
-        <p:nvSpPr>
-          <p:cNvPr id="17" name="TextBox 16"/>
-          <p:cNvSpPr txBox="1"/>
-          <p:nvPr/>
-        </p:nvSpPr>
-        <p:spPr>
-          <a:xfrm>
-            <a:off x="914400" y="14996160"/>
-            <a:ext cx="7315200" cy="731520"/>
-          </a:xfrm>
-          <a:prstGeom prst="rect">
-            <a:avLst/>
-          </a:prstGeom>
-          <a:noFill/>
-        </p:spPr>
-        <p:txBody>
-          <a:bodyPr wrap="square">
-            <a:spAutoFit/>
-          </a:bodyPr>
-          <a:lstStyle/>
-          <a:p>
-            <a:pPr>
-              <a:defRPr sz="1800"/>
-            </a:pPr>
-            <a:r>
-              <a:rPr sz="1800">
-                <a:solidFill>
-                  <a:srgbClr val="000000"/>
-                </a:solidFill>
-                <a:latin typeface="Calibri"/>
-              </a:rPr>
-              <a:t>First item</a:t>
-            </a:r>
-          </a:p>
-          <a:p>
-            <a:pPr>
-              <a:defRPr sz="1800"/>
-            </a:pPr>
-            <a:r>
-              <a:rPr sz="1800">
-                <a:solidFill>
-                  <a:srgbClr val="000000"/>
-                </a:solidFill>
-                <a:latin typeface="Calibri"/>
-              </a:rPr>
-              <a:t>Second item</a:t>
-            </a:r>
-          </a:p>
-          <a:p>
-            <a:pPr>
-              <a:defRPr sz="1800"/>
-            </a:pPr>
-            <a:r>
-              <a:rPr sz="1800">
-                <a:solidFill>
-                  <a:srgbClr val="000000"/>
-                </a:solidFill>
-                <a:latin typeface="Calibri"/>
-              </a:rPr>
-              <a:t>Third item</a:t>
-            </a:r>
-          </a:p>
-        </p:txBody>
-      </p:sp>
-      <p:sp>
-        <p:nvSpPr>
-          <p:cNvPr id="18" name="TextBox 17"/>
-          <p:cNvSpPr txBox="1"/>
-          <p:nvPr/>
-        </p:nvSpPr>
-        <p:spPr>
-          <a:xfrm>
-            <a:off x="914400" y="15910560"/>
-            <a:ext cx="7315200" cy="914400"/>
-          </a:xfrm>
-          <a:prstGeom prst="rect">
-            <a:avLst/>
-          </a:prstGeom>
-          <a:noFill/>
-        </p:spPr>
-        <p:txBody>
-          <a:bodyPr wrap="square">
-            <a:spAutoFit/>
-          </a:bodyPr>
-          <a:lstStyle/>
-          <a:p>
-            <a:pPr algn="l"/>
-            <a:r>
-              <a:rPr sz="1800" b="0" i="0">
-                <a:solidFill>
-                  <a:srgbClr val="000000"/>
-                </a:solidFill>
-                <a:latin typeface="Calibri"/>
-              </a:rPr>
-              <a:t>Unordered lists:</a:t>
-            </a:r>
-          </a:p>
-        </p:txBody>
-      </p:sp>
-      <p:sp>
-        <p:nvSpPr>
-          <p:cNvPr id="19" name="TextBox 18"/>
-          <p:cNvSpPr txBox="1"/>
-          <p:nvPr/>
-        </p:nvSpPr>
-        <p:spPr>
-          <a:xfrm>
-            <a:off x="914400" y="17007840"/>
-            <a:ext cx="7315200" cy="731520"/>
-          </a:xfrm>
-          <a:prstGeom prst="rect">
-            <a:avLst/>
-          </a:prstGeom>
-          <a:noFill/>
-        </p:spPr>
-        <p:txBody>
-          <a:bodyPr wrap="square">
-            <a:spAutoFit/>
-          </a:bodyPr>
-          <a:lstStyle/>
-          <a:p>
-            <a:pPr>
-              <a:defRPr sz="1800"/>
-            </a:pPr>
-            <a:r>
-              <a:rPr sz="1800">
-                <a:solidFill>
-                  <a:srgbClr val="000000"/>
-                </a:solidFill>
-                <a:latin typeface="Calibri"/>
-              </a:rPr>
-              <a:t>Item A</a:t>
-            </a:r>
-          </a:p>
-          <a:p>
-            <a:pPr>
-              <a:defRPr sz="1800"/>
-            </a:pPr>
-            <a:r>
-              <a:rPr sz="1800">
-                <a:solidFill>
-                  <a:srgbClr val="000000"/>
-                </a:solidFill>
-                <a:latin typeface="Calibri"/>
-              </a:rPr>
-              <a:t>Item B</a:t>
-            </a:r>
-          </a:p>
-          <a:p>
-            <a:pPr>
-              <a:defRPr sz="1800"/>
-            </a:pPr>
-            <a:r>
-              <a:rPr sz="1800">
-                <a:solidFill>
-                  <a:srgbClr val="000000"/>
-                </a:solidFill>
-                <a:latin typeface="Calibri"/>
-              </a:rPr>
-              <a:t>Item C</a:t>
-            </a:r>
-          </a:p>
-        </p:txBody>
-      </p:sp>
-      <p:sp>
-        <p:nvSpPr>
-          <p:cNvPr id="20" name="TextBox 19"/>
-          <p:cNvSpPr txBox="1"/>
-          <p:nvPr/>
-        </p:nvSpPr>
-        <p:spPr>
-          <a:xfrm>
-            <a:off x="914400" y="17922240"/>
-            <a:ext cx="7315200" cy="731520"/>
-          </a:xfrm>
-          <a:prstGeom prst="rect">
-            <a:avLst/>
-          </a:prstGeom>
-          <a:noFill/>
-        </p:spPr>
-        <p:txBody>
-          <a:bodyPr wrap="square">
-            <a:spAutoFit/>
-          </a:bodyPr>
-          <a:lstStyle/>
-          <a:p>
-            <a:pPr algn="l"/>
-            <a:r>
-              <a:rPr sz="3200" b="1" i="0">
-                <a:solidFill>
-                  <a:srgbClr val="000000"/>
-                </a:solidFill>
-                <a:latin typeface="Calibri"/>
-              </a:rPr>
-              <a:t>Quotes</a:t>
-            </a:r>
-          </a:p>
-        </p:txBody>
-      </p:sp>
-      <p:sp>
-        <p:nvSpPr>
-          <p:cNvPr id="21" name="TextBox 20"/>
-          <p:cNvSpPr txBox="1"/>
-          <p:nvPr/>
-        </p:nvSpPr>
-        <p:spPr>
-          <a:xfrm>
-            <a:off x="1371600" y="18836640"/>
-            <a:ext cx="6400800" cy="1371600"/>
-          </a:xfrm>
-          <a:prstGeom prst="rect">
-            <a:avLst/>
-          </a:prstGeom>
-          <a:noFill/>
-        </p:spPr>
-        <p:txBody>
-          <a:bodyPr wrap="square">
-            <a:spAutoFit/>
-          </a:bodyPr>
-          <a:lstStyle/>
-          <a:p>
-            <a:br/>
-            <a:pPr>
-              <a:defRPr i="1" sz="1800"/>
-            </a:pPr>
-            <a:r>
-              <a:rPr sz="1800" i="1">
-                <a:solidFill>
-                  <a:srgbClr val="A5A5A5"/>
-                </a:solidFill>
-                <a:latin typeface="Calibri"/>
-              </a:rPr>
-              <a:t>This is a blockquote example.</a:t>
-            </a:r>
-            <a:br/>
-            <a:r>
-              <a:t>It can span multiple lines.</a:t>
-            </a:r>
-            <a:br/>
-          </a:p>
-        </p:txBody>
-      </p:sp>
-      <p:sp>
-        <p:nvSpPr>
-          <p:cNvPr id="22" name="Rectangle 21"/>
+              <a:t>2. C++ std::string</a:t>
+            </a:r>
+          </a:p>
+        </p:txBody>
+      </p:sp>
+      <p:sp>
+        <p:nvSpPr>
+          <p:cNvPr id="10" name="Rectangle 9"/>
           <p:cNvSpPr/>
           <p:nvPr/>
         </p:nvSpPr>
         <p:spPr>
           <a:xfrm>
-            <a:off x="914400" y="18836640"/>
-            <a:ext cx="91440" cy="1371600"/>
+            <a:off x="914400" y="7863840"/>
+            <a:ext cx="7315200" cy="1828800"/>
           </a:xfrm>
           <a:prstGeom prst="rect">
             <a:avLst/>
           </a:prstGeom>
           <a:solidFill>
-            <a:srgbClr val="C8C8C8"/>
+            <a:srgbClr val="F0F0F0"/>
           </a:solidFill>
+          <a:ln w="12700">
+            <a:solidFill>
+              <a:srgbClr val="C8C8C8"/>
+            </a:solidFill>
+          </a:ln>
         </p:spPr>
         <p:style>
           <a:lnRef idx="1">
@@ -3913,23 +3600,34 @@
           </a:fontRef>
         </p:style>
         <p:txBody>
-          <a:bodyPr rtlCol="0" anchor="ctr"/>
-          <a:lstStyle/>
-          <a:p>
-            <a:pPr algn="ctr"/>
-          </a:p>
-        </p:txBody>
-      </p:sp>
-      <p:sp>
-        <p:nvSpPr>
-          <p:cNvPr id="23" name="TextBox 22"/>
+          <a:bodyPr rtlCol="0" anchor="t" wrap="square" lIns="101600" rIns="101600" tIns="101600" bIns="101600"/>
+          <a:lstStyle/>
+          <a:p>
+            <a:pPr algn="ctr">
+              <a:defRPr sz="1000">
+                <a:solidFill>
+                  <a:srgbClr val="000000"/>
+                </a:solidFill>
+                <a:latin typeface="Courier New"/>
+              </a:defRPr>
+            </a:pPr>
+            <a:r>
+              <a:t>std::string greeting = "Hello";</a:t>
+            </a:r>
+            <a:br/>
+          </a:p>
+        </p:txBody>
+      </p:sp>
+      <p:sp>
+        <p:nvSpPr>
+          <p:cNvPr id="11" name="TextBox 10"/>
           <p:cNvSpPr txBox="1"/>
           <p:nvPr/>
         </p:nvSpPr>
         <p:spPr>
           <a:xfrm>
-            <a:off x="914400" y="20391120"/>
-            <a:ext cx="7315200" cy="731520"/>
+            <a:off x="914400" y="7589520"/>
+            <a:ext cx="1828800" cy="182880"/>
           </a:xfrm>
           <a:prstGeom prst="rect">
             <a:avLst/>
@@ -3937,33 +3635,31 @@
           <a:noFill/>
         </p:spPr>
         <p:txBody>
-          <a:bodyPr wrap="square">
+          <a:bodyPr wrap="none">
             <a:spAutoFit/>
           </a:bodyPr>
           <a:lstStyle/>
           <a:p>
-            <a:pPr algn="l"/>
-            <a:r>
-              <a:rPr sz="3200" b="1" i="0">
-                <a:solidFill>
-                  <a:srgbClr val="000000"/>
-                </a:solidFill>
-                <a:latin typeface="Calibri"/>
+            <a:r>
+              <a:rPr sz="900" b="1">
+                <a:solidFill>
+                  <a:srgbClr val="646464"/>
+                </a:solidFill>
               </a:rPr>
-              <a:t>Tables</a:t>
-            </a:r>
-          </a:p>
-        </p:txBody>
-      </p:sp>
-      <p:sp>
-        <p:nvSpPr>
-          <p:cNvPr id="24" name="TextBox 23"/>
+              <a:t>cpp</a:t>
+            </a:r>
+          </a:p>
+        </p:txBody>
+      </p:sp>
+      <p:sp>
+        <p:nvSpPr>
+          <p:cNvPr id="12" name="TextBox 11"/>
           <p:cNvSpPr txBox="1"/>
           <p:nvPr/>
         </p:nvSpPr>
         <p:spPr>
           <a:xfrm>
-            <a:off x="914400" y="21305520"/>
+            <a:off x="914400" y="9875520"/>
             <a:ext cx="7315200" cy="914400"/>
           </a:xfrm>
           <a:prstGeom prst="rect">
@@ -3979,26 +3675,26 @@
           <a:p>
             <a:pPr algn="l"/>
             <a:r>
-              <a:rPr sz="1800" b="0" i="0">
+              <a:rPr sz="2000" b="0" i="0">
                 <a:solidFill>
                   <a:srgbClr val="000000"/>
                 </a:solidFill>
-                <a:latin typeface="Calibri"/>
+                <a:latin typeface="Arial"/>
               </a:rPr>
-              <a:t>Tables are supported as well:</a:t>
-            </a:r>
-          </a:p>
-        </p:txBody>
-      </p:sp>
-      <p:sp>
-        <p:nvSpPr>
-          <p:cNvPr id="25" name="TextBox 24"/>
+              <a:t>Under the hood, std::string is a class that manages:</a:t>
+            </a:r>
+          </a:p>
+        </p:txBody>
+      </p:sp>
+      <p:sp>
+        <p:nvSpPr>
+          <p:cNvPr id="13" name="TextBox 12"/>
           <p:cNvSpPr txBox="1"/>
           <p:nvPr/>
         </p:nvSpPr>
         <p:spPr>
           <a:xfrm>
-            <a:off x="914400" y="22402800"/>
+            <a:off x="914400" y="10972800"/>
             <a:ext cx="7315200" cy="731520"/>
           </a:xfrm>
           <a:prstGeom prst="rect">
@@ -4012,29 +3708,73 @@
           </a:bodyPr>
           <a:lstStyle/>
           <a:p>
-            <a:pPr algn="l"/>
-            <a:r>
-              <a:rPr sz="3200" b="1" i="0">
+            <a:pPr>
+              <a:defRPr sz="2000"/>
+            </a:pPr>
+            <a:r>
+              <a:rPr sz="2000">
                 <a:solidFill>
                   <a:srgbClr val="000000"/>
                 </a:solidFill>
-                <a:latin typeface="Calibri"/>
+                <a:latin typeface="Arial"/>
               </a:rPr>
-              <a:t>Slide with Animation</a:t>
-            </a:r>
-          </a:p>
-        </p:txBody>
-      </p:sp>
-      <p:sp>
-        <p:nvSpPr>
-          <p:cNvPr id="26" name="TextBox 25"/>
+              <a:t>A dynamically allocated character array</a:t>
+            </a:r>
+          </a:p>
+          <a:p>
+            <a:pPr>
+              <a:defRPr sz="2000"/>
+            </a:pPr>
+            <a:r>
+              <a:rPr sz="2000">
+                <a:solidFill>
+                  <a:srgbClr val="000000"/>
+                </a:solidFill>
+                <a:latin typeface="Arial"/>
+              </a:rPr>
+              <a:t>Size tracking</a:t>
+            </a:r>
+          </a:p>
+          <a:p>
+            <a:pPr>
+              <a:defRPr sz="2000"/>
+            </a:pPr>
+            <a:r>
+              <a:rPr sz="2000">
+                <a:solidFill>
+                  <a:srgbClr val="000000"/>
+                </a:solidFill>
+                <a:latin typeface="Arial"/>
+              </a:rPr>
+              <a:t>Memory management</a:t>
+            </a:r>
+          </a:p>
+          <a:p>
+            <a:pPr>
+              <a:defRPr sz="2000"/>
+            </a:pPr>
+            <a:r>
+              <a:rPr sz="2000">
+                <a:solidFill>
+                  <a:srgbClr val="000000"/>
+                </a:solidFill>
+                <a:latin typeface="Arial"/>
+              </a:rPr>
+              <a:t>Various utility methods</a:t>
+            </a:r>
+          </a:p>
+        </p:txBody>
+      </p:sp>
+      <p:sp>
+        <p:nvSpPr>
+          <p:cNvPr id="14" name="TextBox 13"/>
           <p:cNvSpPr txBox="1"/>
           <p:nvPr/>
         </p:nvSpPr>
         <p:spPr>
           <a:xfrm>
-            <a:off x="914400" y="23317200"/>
-            <a:ext cx="7315200" cy="914400"/>
+            <a:off x="1371600" y="11887200"/>
+            <a:ext cx="6400800" cy="1371600"/>
           </a:xfrm>
           <a:prstGeom prst="rect">
             <a:avLst/>
@@ -4047,176 +3787,40 @@
           </a:bodyPr>
           <a:lstStyle/>
           <a:p>
-            <a:pPr algn="l"/>
-            <a:r>
-              <a:rPr sz="1800" b="0" i="0">
-                <a:solidFill>
-                  <a:srgbClr val="000000"/>
-                </a:solidFill>
-                <a:latin typeface="Calibri"/>
+            <a:br/>
+            <a:pPr>
+              <a:defRPr i="1" sz="2000"/>
+            </a:pPr>
+            <a:r>
+              <a:rPr sz="2000" i="1">
+                <a:solidFill>
+                  <a:srgbClr val="99CCFF"/>
+                </a:solidFill>
+                <a:latin typeface="Arial"/>
               </a:rPr>
-              <a:t>This slide demonstrates animations.</a:t>
-            </a:r>
-          </a:p>
-        </p:txBody>
-      </p:sp>
-      <p:sp>
-        <p:nvSpPr>
-          <p:cNvPr id="27" name="TextBox 26"/>
-          <p:cNvSpPr txBox="1"/>
-          <p:nvPr/>
-        </p:nvSpPr>
-        <p:spPr>
-          <a:xfrm>
-            <a:off x="914400" y="24414480"/>
-            <a:ext cx="7315200" cy="731520"/>
-          </a:xfrm>
-          <a:prstGeom prst="rect">
-            <a:avLst/>
-          </a:prstGeom>
-          <a:noFill/>
-        </p:spPr>
-        <p:txBody>
-          <a:bodyPr wrap="square">
-            <a:spAutoFit/>
-          </a:bodyPr>
-          <a:lstStyle/>
-          <a:p>
-            <a:pPr>
-              <a:defRPr sz="1800"/>
-            </a:pPr>
-            <a:r>
-              <a:rPr sz="1800">
-                <a:solidFill>
-                  <a:srgbClr val="000000"/>
-                </a:solidFill>
-                <a:latin typeface="Calibri"/>
-              </a:rPr>
-              <a:t>This item will fade in </a:t>
-            </a:r>
-          </a:p>
-          <a:p>
-            <a:pPr>
-              <a:defRPr sz="1800"/>
-            </a:pPr>
-            <a:r>
-              <a:rPr sz="1800">
-                <a:solidFill>
-                  <a:srgbClr val="000000"/>
-                </a:solidFill>
-                <a:latin typeface="Calibri"/>
-              </a:rPr>
-              <a:t>This item will fly in from the left </a:t>
-            </a:r>
-          </a:p>
-          <a:p>
-            <a:pPr>
-              <a:defRPr sz="1800"/>
-            </a:pPr>
-            <a:r>
-              <a:rPr sz="1800">
-                <a:solidFill>
-                  <a:srgbClr val="000000"/>
-                </a:solidFill>
-                <a:latin typeface="Calibri"/>
-              </a:rPr>
-              <a:t>This item will appear with no animation</a:t>
-            </a:r>
-          </a:p>
-        </p:txBody>
-      </p:sp>
-      <p:sp>
-        <p:nvSpPr>
-          <p:cNvPr id="28" name="TextBox 27"/>
-          <p:cNvSpPr txBox="1"/>
-          <p:nvPr/>
-        </p:nvSpPr>
-        <p:spPr>
-          <a:xfrm>
-            <a:off x="914400" y="25328880"/>
-            <a:ext cx="7315200" cy="731520"/>
-          </a:xfrm>
-          <a:prstGeom prst="rect">
-            <a:avLst/>
-          </a:prstGeom>
-          <a:noFill/>
-        </p:spPr>
-        <p:txBody>
-          <a:bodyPr wrap="square">
-            <a:spAutoFit/>
-          </a:bodyPr>
-          <a:lstStyle/>
-          <a:p>
-            <a:pPr algn="l"/>
-            <a:r>
-              <a:rPr sz="3200" b="1" i="0">
-                <a:solidFill>
-                  <a:srgbClr val="000000"/>
-                </a:solidFill>
-                <a:latin typeface="Calibri"/>
-              </a:rPr>
-              <a:t>Custom Styling</a:t>
-            </a:r>
-          </a:p>
-        </p:txBody>
-      </p:sp>
-      <p:sp>
-        <p:nvSpPr>
-          <p:cNvPr id="29" name="TextBox 28"/>
-          <p:cNvSpPr txBox="1"/>
-          <p:nvPr/>
-        </p:nvSpPr>
-        <p:spPr>
-          <a:xfrm>
-            <a:off x="914400" y="26243280"/>
-            <a:ext cx="7315200" cy="914400"/>
-          </a:xfrm>
-          <a:prstGeom prst="rect">
-            <a:avLst/>
-          </a:prstGeom>
-          <a:noFill/>
-        </p:spPr>
-        <p:txBody>
-          <a:bodyPr wrap="square">
-            <a:spAutoFit/>
-          </a:bodyPr>
-          <a:lstStyle/>
-          <a:p>
-            <a:pPr algn="l"/>
-            <a:r>
-              <a:rPr sz="1800" b="0" i="0">
-                <a:solidFill>
-                  <a:srgbClr val="000000"/>
-                </a:solidFill>
-                <a:latin typeface="Calibri"/>
-              </a:rPr>
-              <a:t>You can customize the styling of your presentation.</a:t>
-            </a:r>
-          </a:p>
-        </p:txBody>
-      </p:sp>
-      <p:sp>
-        <p:nvSpPr>
-          <p:cNvPr id="30" name="Rectangle 29"/>
+              <a:t>*If C-style strings are a manual typewriter, std::string is a modern word processor with spell-check, auto-save, and therapy built in.*</a:t>
+            </a:r>
+            <a:br/>
+          </a:p>
+        </p:txBody>
+      </p:sp>
+      <p:sp>
+        <p:nvSpPr>
+          <p:cNvPr id="15" name="Rectangle 14"/>
           <p:cNvSpPr/>
           <p:nvPr/>
         </p:nvSpPr>
         <p:spPr>
           <a:xfrm>
-            <a:off x="914400" y="27340560"/>
-            <a:ext cx="7315200" cy="1828800"/>
+            <a:off x="914400" y="11887200"/>
+            <a:ext cx="91440" cy="1371600"/>
           </a:xfrm>
           <a:prstGeom prst="rect">
             <a:avLst/>
           </a:prstGeom>
           <a:solidFill>
-            <a:srgbClr val="F0F0F0"/>
+            <a:srgbClr val="C8C8C8"/>
           </a:solidFill>
-          <a:ln w="12700">
-            <a:solidFill>
-              <a:srgbClr val="C8C8C8"/>
-            </a:solidFill>
-          </a:ln>
         </p:spPr>
         <p:style>
           <a:lnRef idx="1">
@@ -4233,62 +3837,85 @@
           </a:fontRef>
         </p:style>
         <p:txBody>
-          <a:bodyPr rtlCol="0" anchor="t" wrap="square" lIns="101600" rIns="101600" tIns="101600" bIns="101600"/>
-          <a:lstStyle/>
-          <a:p>
-            <a:pPr algn="ctr">
-              <a:defRPr sz="1000">
-                <a:solidFill>
-                  <a:srgbClr val="000000"/>
-                </a:solidFill>
-                <a:latin typeface="Courier New"/>
-              </a:defRPr>
-            </a:pPr>
-            <a:r>
-              <a:t>{</a:t>
-            </a:r>
-            <a:br/>
-            <a:r>
-              <a:t>  "colors": {</a:t>
-            </a:r>
-            <a:br/>
-            <a:r>
-              <a:t>    "background": [255, 255, 255],</a:t>
-            </a:r>
-            <a:br/>
-            <a:r>
-              <a:t>    "title": [0, 0, 128],</a:t>
-            </a:r>
-            <a:br/>
-            <a:r>
-              <a:t>    "heading": [0, 64, 128],</a:t>
-            </a:r>
-            <a:br/>
-            <a:r>
-              <a:t>    "body": [0, 0, 0]</a:t>
-            </a:r>
-            <a:br/>
-            <a:r>
-              <a:t>  }</a:t>
-            </a:r>
-            <a:br/>
-            <a:r>
-              <a:t>}</a:t>
-            </a:r>
-            <a:br/>
-          </a:p>
-        </p:txBody>
-      </p:sp>
-      <p:sp>
-        <p:nvSpPr>
-          <p:cNvPr id="31" name="TextBox 30"/>
+          <a:bodyPr rtlCol="0" anchor="ctr"/>
+          <a:lstStyle/>
+          <a:p>
+            <a:pPr algn="ctr"/>
+          </a:p>
+        </p:txBody>
+      </p:sp>
+    </p:spTree>
+  </p:cSld>
+  <p:clrMapOvr>
+    <a:masterClrMapping/>
+  </p:clrMapOvr>
+</p:sld>
+</file>
+
+<file path=ppt/slides/slide4.xml><?xml version="1.0" encoding="utf-8"?>
+<p:sld xmlns:a="http://schemas.openxmlformats.org/drawingml/2006/main" xmlns:p="http://schemas.openxmlformats.org/presentationml/2006/main" xmlns:r="http://schemas.openxmlformats.org/officeDocument/2006/relationships">
+  <p:cSld>
+    <p:spTree>
+      <p:nvGrpSpPr>
+        <p:cNvPr id="1" name=""/>
+        <p:cNvGrpSpPr/>
+        <p:nvPr/>
+      </p:nvGrpSpPr>
+      <p:grpSpPr/>
+      <p:sp>
+        <p:nvSpPr>
+          <p:cNvPr id="2" name="Title 1"/>
+          <p:cNvSpPr>
+            <a:spLocks noGrp="1"/>
+          </p:cNvSpPr>
+          <p:nvPr>
+            <p:ph type="title"/>
+          </p:nvPr>
+        </p:nvSpPr>
+        <p:spPr/>
+        <p:txBody>
+          <a:bodyPr/>
+          <a:lstStyle/>
+          <a:p>
+            <a:r>
+              <a:rPr sz="4400" b="1" i="0">
+                <a:solidFill>
+                  <a:srgbClr val="003366"/>
+                </a:solidFill>
+                <a:latin typeface="Arial"/>
+              </a:rPr>
+              <a:t>String Memory Layout</a:t>
+            </a:r>
+          </a:p>
+        </p:txBody>
+      </p:sp>
+      <p:sp>
+        <p:nvSpPr>
+          <p:cNvPr id="3" name="Content Placeholder 2"/>
+          <p:cNvSpPr>
+            <a:spLocks noGrp="1"/>
+          </p:cNvSpPr>
+          <p:nvPr>
+            <p:ph idx="1"/>
+          </p:nvPr>
+        </p:nvSpPr>
+        <p:spPr/>
+        <p:txBody>
+          <a:bodyPr/>
+          <a:lstStyle/>
+          <a:p/>
+        </p:txBody>
+      </p:sp>
+      <p:sp>
+        <p:nvSpPr>
+          <p:cNvPr id="4" name="TextBox 3"/>
           <p:cNvSpPr txBox="1"/>
           <p:nvPr/>
         </p:nvSpPr>
         <p:spPr>
           <a:xfrm>
-            <a:off x="914400" y="27066240"/>
-            <a:ext cx="1828800" cy="182880"/>
+            <a:off x="914400" y="1828800"/>
+            <a:ext cx="7315200" cy="731520"/>
           </a:xfrm>
           <a:prstGeom prst="rect">
             <a:avLst/>
@@ -4296,31 +3923,33 @@
           <a:noFill/>
         </p:spPr>
         <p:txBody>
-          <a:bodyPr wrap="none">
+          <a:bodyPr wrap="square">
             <a:spAutoFit/>
           </a:bodyPr>
           <a:lstStyle/>
           <a:p>
-            <a:r>
-              <a:rPr sz="900" b="1">
-                <a:solidFill>
-                  <a:srgbClr val="646464"/>
-                </a:solidFill>
+            <a:pPr algn="l"/>
+            <a:r>
+              <a:rPr sz="3600" b="1" i="0">
+                <a:solidFill>
+                  <a:srgbClr val="000000"/>
+                </a:solidFill>
+                <a:latin typeface="Arial"/>
               </a:rPr>
-              <a:t>json</a:t>
-            </a:r>
-          </a:p>
-        </p:txBody>
-      </p:sp>
-      <p:sp>
-        <p:nvSpPr>
-          <p:cNvPr id="32" name="TextBox 31"/>
+              <a:t>C-style String Memory</a:t>
+            </a:r>
+          </a:p>
+        </p:txBody>
+      </p:sp>
+      <p:sp>
+        <p:nvSpPr>
+          <p:cNvPr id="5" name="TextBox 4"/>
           <p:cNvSpPr txBox="1"/>
           <p:nvPr/>
         </p:nvSpPr>
         <p:spPr>
           <a:xfrm>
-            <a:off x="914400" y="29352240"/>
+            <a:off x="914400" y="2743200"/>
             <a:ext cx="7315200" cy="731520"/>
           </a:xfrm>
           <a:prstGeom prst="rect">
@@ -4334,28 +3963,72 @@
           </a:bodyPr>
           <a:lstStyle/>
           <a:p>
-            <a:pPr algn="l"/>
-            <a:r>
-              <a:rPr sz="3200" b="1" i="0">
+            <a:pPr>
+              <a:defRPr sz="2000"/>
+            </a:pPr>
+            <a:r>
+              <a:rPr sz="2000">
                 <a:solidFill>
                   <a:srgbClr val="000000"/>
                 </a:solidFill>
-                <a:latin typeface="Calibri"/>
+                <a:latin typeface="Arial"/>
               </a:rPr>
-              <a:t>Links</a:t>
-            </a:r>
-          </a:p>
-        </p:txBody>
-      </p:sp>
-      <p:sp>
-        <p:nvSpPr>
-          <p:cNvPr id="33" name="TextBox 32"/>
+              <a:t>Fixed size determined at declaration</a:t>
+            </a:r>
+          </a:p>
+          <a:p>
+            <a:pPr>
+              <a:defRPr sz="2000"/>
+            </a:pPr>
+            <a:r>
+              <a:rPr sz="2000">
+                <a:solidFill>
+                  <a:srgbClr val="000000"/>
+                </a:solidFill>
+                <a:latin typeface="Arial"/>
+              </a:rPr>
+              <a:t>Contiguous memory</a:t>
+            </a:r>
+          </a:p>
+          <a:p>
+            <a:pPr>
+              <a:defRPr sz="2000"/>
+            </a:pPr>
+            <a:r>
+              <a:rPr sz="2000">
+                <a:solidFill>
+                  <a:srgbClr val="000000"/>
+                </a:solidFill>
+                <a:latin typeface="Arial"/>
+              </a:rPr>
+              <a:t>Relies on null terminator to determine end</a:t>
+            </a:r>
+          </a:p>
+          <a:p>
+            <a:pPr>
+              <a:defRPr sz="2000"/>
+            </a:pPr>
+            <a:r>
+              <a:rPr sz="2000">
+                <a:solidFill>
+                  <a:srgbClr val="000000"/>
+                </a:solidFill>
+                <a:latin typeface="Arial"/>
+              </a:rPr>
+              <a:t>Prone to buffer overflows</a:t>
+            </a:r>
+          </a:p>
+        </p:txBody>
+      </p:sp>
+      <p:sp>
+        <p:nvSpPr>
+          <p:cNvPr id="6" name="TextBox 5"/>
           <p:cNvSpPr txBox="1"/>
           <p:nvPr/>
         </p:nvSpPr>
         <p:spPr>
           <a:xfrm>
-            <a:off x="914400" y="30266640"/>
+            <a:off x="914400" y="3657600"/>
             <a:ext cx="7315200" cy="914400"/>
           </a:xfrm>
           <a:prstGeom prst="rect">
@@ -4371,26 +4044,30 @@
           <a:p>
             <a:pPr algn="l"/>
             <a:r>
-              <a:rPr sz="1800" b="0" i="0">
+              <a:rPr sz="2000" b="0" i="0">
                 <a:solidFill>
                   <a:srgbClr val="000000"/>
                 </a:solidFill>
-                <a:latin typeface="Calibri"/>
+                <a:latin typeface="Arial"/>
               </a:rPr>
-              <a:t>You can include [links to websites](https://example.com) in your slides.</a:t>
-            </a:r>
-          </a:p>
-        </p:txBody>
-      </p:sp>
-      <p:sp>
-        <p:nvSpPr>
-          <p:cNvPr id="34" name="TextBox 33"/>
+              <a:t>Memory representation of "Hello":</a:t>
+            </a:r>
+            <a:br/>
+            <a:r>
+              <a:t>H | e | l | l | o | \0</a:t>
+            </a:r>
+          </a:p>
+        </p:txBody>
+      </p:sp>
+      <p:sp>
+        <p:nvSpPr>
+          <p:cNvPr id="7" name="TextBox 6"/>
           <p:cNvSpPr txBox="1"/>
           <p:nvPr/>
         </p:nvSpPr>
         <p:spPr>
           <a:xfrm>
-            <a:off x="914400" y="31363920"/>
+            <a:off x="914400" y="4754880"/>
             <a:ext cx="7315200" cy="731520"/>
           </a:xfrm>
           <a:prstGeom prst="rect">
@@ -4406,27 +4083,27 @@
           <a:p>
             <a:pPr algn="l"/>
             <a:r>
-              <a:rPr sz="3200" b="1" i="0">
+              <a:rPr sz="3600" b="1" i="0">
                 <a:solidFill>
                   <a:srgbClr val="000000"/>
                 </a:solidFill>
-                <a:latin typeface="Calibri"/>
+                <a:latin typeface="Arial"/>
               </a:rPr>
-              <a:t>Math Support</a:t>
-            </a:r>
-          </a:p>
-        </p:txBody>
-      </p:sp>
-      <p:sp>
-        <p:nvSpPr>
-          <p:cNvPr id="35" name="TextBox 34"/>
+              <a:t>std::string Memory</a:t>
+            </a:r>
+          </a:p>
+        </p:txBody>
+      </p:sp>
+      <p:sp>
+        <p:nvSpPr>
+          <p:cNvPr id="8" name="TextBox 7"/>
           <p:cNvSpPr txBox="1"/>
           <p:nvPr/>
         </p:nvSpPr>
         <p:spPr>
           <a:xfrm>
-            <a:off x="914400" y="32278320"/>
-            <a:ext cx="7315200" cy="914400"/>
+            <a:off x="914400" y="5669280"/>
+            <a:ext cx="7315200" cy="731520"/>
           </a:xfrm>
           <a:prstGeom prst="rect">
             <a:avLst/>
@@ -4439,29 +4116,73 @@
           </a:bodyPr>
           <a:lstStyle/>
           <a:p>
-            <a:pPr algn="l"/>
-            <a:r>
-              <a:rPr sz="1800" b="0" i="0">
+            <a:pPr>
+              <a:defRPr sz="2000"/>
+            </a:pPr>
+            <a:r>
+              <a:rPr sz="2000">
                 <a:solidFill>
                   <a:srgbClr val="000000"/>
                 </a:solidFill>
-                <a:latin typeface="Calibri"/>
+                <a:latin typeface="Arial"/>
               </a:rPr>
-              <a:t>Some implementations might support LaTeX math expressions:</a:t>
-            </a:r>
-          </a:p>
-        </p:txBody>
-      </p:sp>
-      <p:sp>
-        <p:nvSpPr>
-          <p:cNvPr id="36" name="TextBox 35"/>
+              <a:t>Often uses Small String Optimization (SSO)</a:t>
+            </a:r>
+          </a:p>
+          <a:p>
+            <a:pPr>
+              <a:defRPr sz="2000"/>
+            </a:pPr>
+            <a:r>
+              <a:rPr sz="2000">
+                <a:solidFill>
+                  <a:srgbClr val="000000"/>
+                </a:solidFill>
+                <a:latin typeface="Arial"/>
+              </a:rPr>
+              <a:t>Small strings (&lt;15 chars) stored directly in object</a:t>
+            </a:r>
+          </a:p>
+          <a:p>
+            <a:pPr>
+              <a:defRPr sz="2000"/>
+            </a:pPr>
+            <a:r>
+              <a:rPr sz="2000">
+                <a:solidFill>
+                  <a:srgbClr val="000000"/>
+                </a:solidFill>
+                <a:latin typeface="Arial"/>
+              </a:rPr>
+              <a:t>Larger strings stored in dynamically allocated memory</a:t>
+            </a:r>
+          </a:p>
+          <a:p>
+            <a:pPr>
+              <a:defRPr sz="2000"/>
+            </a:pPr>
+            <a:r>
+              <a:rPr sz="2000">
+                <a:solidFill>
+                  <a:srgbClr val="000000"/>
+                </a:solidFill>
+                <a:latin typeface="Arial"/>
+              </a:rPr>
+              <a:t>Tracks both size and capacity</a:t>
+            </a:r>
+          </a:p>
+        </p:txBody>
+      </p:sp>
+      <p:sp>
+        <p:nvSpPr>
+          <p:cNvPr id="9" name="TextBox 8"/>
           <p:cNvSpPr txBox="1"/>
           <p:nvPr/>
         </p:nvSpPr>
         <p:spPr>
           <a:xfrm>
-            <a:off x="914400" y="33375600"/>
-            <a:ext cx="7315200" cy="914400"/>
+            <a:off x="1371600" y="6583680"/>
+            <a:ext cx="6400800" cy="1371600"/>
           </a:xfrm>
           <a:prstGeom prst="rect">
             <a:avLst/>
@@ -4474,29 +4195,135 @@
           </a:bodyPr>
           <a:lstStyle/>
           <a:p>
-            <a:pPr algn="l"/>
-            <a:r>
-              <a:rPr sz="1800" b="0" i="0">
-                <a:solidFill>
-                  <a:srgbClr val="000000"/>
-                </a:solidFill>
-                <a:latin typeface="Calibri"/>
+            <a:br/>
+            <a:pPr>
+              <a:defRPr i="1" sz="2000"/>
+            </a:pPr>
+            <a:r>
+              <a:rPr sz="2000" i="1">
+                <a:solidFill>
+                  <a:srgbClr val="99CCFF"/>
+                </a:solidFill>
+                <a:latin typeface="Arial"/>
               </a:rPr>
-              <a:t>$$E = mc^2$$</a:t>
-            </a:r>
-          </a:p>
-        </p:txBody>
-      </p:sp>
-      <p:sp>
-        <p:nvSpPr>
-          <p:cNvPr id="37" name="TextBox 36"/>
+              <a:t>*Small String Optimization is like keeping a small shopping list in your pocket vs. having to go home to get your big shopping list from the fridge.*</a:t>
+            </a:r>
+            <a:br/>
+          </a:p>
+        </p:txBody>
+      </p:sp>
+      <p:sp>
+        <p:nvSpPr>
+          <p:cNvPr id="10" name="Rectangle 9"/>
+          <p:cNvSpPr/>
+          <p:nvPr/>
+        </p:nvSpPr>
+        <p:spPr>
+          <a:xfrm>
+            <a:off x="914400" y="6583680"/>
+            <a:ext cx="91440" cy="1371600"/>
+          </a:xfrm>
+          <a:prstGeom prst="rect">
+            <a:avLst/>
+          </a:prstGeom>
+          <a:solidFill>
+            <a:srgbClr val="C8C8C8"/>
+          </a:solidFill>
+        </p:spPr>
+        <p:style>
+          <a:lnRef idx="1">
+            <a:schemeClr val="accent1"/>
+          </a:lnRef>
+          <a:fillRef idx="3">
+            <a:schemeClr val="accent1"/>
+          </a:fillRef>
+          <a:effectRef idx="2">
+            <a:schemeClr val="accent1"/>
+          </a:effectRef>
+          <a:fontRef idx="minor">
+            <a:schemeClr val="lt1"/>
+          </a:fontRef>
+        </p:style>
+        <p:txBody>
+          <a:bodyPr rtlCol="0" anchor="ctr"/>
+          <a:lstStyle/>
+          <a:p>
+            <a:pPr algn="ctr"/>
+          </a:p>
+        </p:txBody>
+      </p:sp>
+    </p:spTree>
+  </p:cSld>
+  <p:clrMapOvr>
+    <a:masterClrMapping/>
+  </p:clrMapOvr>
+</p:sld>
+</file>
+
+<file path=ppt/slides/slide5.xml><?xml version="1.0" encoding="utf-8"?>
+<p:sld xmlns:a="http://schemas.openxmlformats.org/drawingml/2006/main" xmlns:p="http://schemas.openxmlformats.org/presentationml/2006/main" xmlns:r="http://schemas.openxmlformats.org/officeDocument/2006/relationships">
+  <p:cSld>
+    <p:spTree>
+      <p:nvGrpSpPr>
+        <p:cNvPr id="1" name=""/>
+        <p:cNvGrpSpPr/>
+        <p:nvPr/>
+      </p:nvGrpSpPr>
+      <p:grpSpPr/>
+      <p:sp>
+        <p:nvSpPr>
+          <p:cNvPr id="2" name="Title 1"/>
+          <p:cNvSpPr>
+            <a:spLocks noGrp="1"/>
+          </p:cNvSpPr>
+          <p:nvPr>
+            <p:ph type="title"/>
+          </p:nvPr>
+        </p:nvSpPr>
+        <p:spPr/>
+        <p:txBody>
+          <a:bodyPr/>
+          <a:lstStyle/>
+          <a:p>
+            <a:r>
+              <a:rPr sz="4400" b="1" i="0">
+                <a:solidFill>
+                  <a:srgbClr val="003366"/>
+                </a:solidFill>
+                <a:latin typeface="Arial"/>
+              </a:rPr>
+              <a:t>String Operations &amp; Complexity</a:t>
+            </a:r>
+          </a:p>
+        </p:txBody>
+      </p:sp>
+      <p:sp>
+        <p:nvSpPr>
+          <p:cNvPr id="3" name="Content Placeholder 2"/>
+          <p:cNvSpPr>
+            <a:spLocks noGrp="1"/>
+          </p:cNvSpPr>
+          <p:nvPr>
+            <p:ph idx="1"/>
+          </p:nvPr>
+        </p:nvSpPr>
+        <p:spPr/>
+        <p:txBody>
+          <a:bodyPr/>
+          <a:lstStyle/>
+          <a:p/>
+        </p:txBody>
+      </p:sp>
+      <p:sp>
+        <p:nvSpPr>
+          <p:cNvPr id="4" name="TextBox 3"/>
           <p:cNvSpPr txBox="1"/>
           <p:nvPr/>
         </p:nvSpPr>
         <p:spPr>
           <a:xfrm>
-            <a:off x="914400" y="34472880"/>
-            <a:ext cx="7315200" cy="731520"/>
+            <a:off x="1371600" y="1828800"/>
+            <a:ext cx="6400800" cy="1371600"/>
           </a:xfrm>
           <a:prstGeom prst="rect">
             <a:avLst/>
@@ -4509,28 +4336,134 @@
           </a:bodyPr>
           <a:lstStyle/>
           <a:p>
-            <a:pPr algn="l"/>
-            <a:r>
-              <a:rPr sz="3200" b="1" i="0">
-                <a:solidFill>
-                  <a:srgbClr val="000000"/>
-                </a:solidFill>
-                <a:latin typeface="Calibri"/>
+            <a:br/>
+            <a:pPr>
+              <a:defRPr i="1" sz="2000"/>
+            </a:pPr>
+            <a:r>
+              <a:rPr sz="2000" i="1">
+                <a:solidFill>
+                  <a:srgbClr val="99CCFF"/>
+                </a:solidFill>
+                <a:latin typeface="Arial"/>
               </a:rPr>
-              <a:t>Conclusion</a:t>
-            </a:r>
-          </a:p>
-        </p:txBody>
-      </p:sp>
-      <p:sp>
-        <p:nvSpPr>
-          <p:cNvPr id="38" name="TextBox 37"/>
+              <a:t>*A programmer's evolution: First you love strings, then you hate them, then you understand them, and finally you accept that they'll always be a source of bugs regardless.*</a:t>
+            </a:r>
+            <a:br/>
+          </a:p>
+        </p:txBody>
+      </p:sp>
+      <p:sp>
+        <p:nvSpPr>
+          <p:cNvPr id="5" name="Rectangle 4"/>
+          <p:cNvSpPr/>
+          <p:nvPr/>
+        </p:nvSpPr>
+        <p:spPr>
+          <a:xfrm>
+            <a:off x="914400" y="1828800"/>
+            <a:ext cx="91440" cy="1371600"/>
+          </a:xfrm>
+          <a:prstGeom prst="rect">
+            <a:avLst/>
+          </a:prstGeom>
+          <a:solidFill>
+            <a:srgbClr val="C8C8C8"/>
+          </a:solidFill>
+        </p:spPr>
+        <p:style>
+          <a:lnRef idx="1">
+            <a:schemeClr val="accent1"/>
+          </a:lnRef>
+          <a:fillRef idx="3">
+            <a:schemeClr val="accent1"/>
+          </a:fillRef>
+          <a:effectRef idx="2">
+            <a:schemeClr val="accent1"/>
+          </a:effectRef>
+          <a:fontRef idx="minor">
+            <a:schemeClr val="lt1"/>
+          </a:fontRef>
+        </p:style>
+        <p:txBody>
+          <a:bodyPr rtlCol="0" anchor="ctr"/>
+          <a:lstStyle/>
+          <a:p>
+            <a:pPr algn="ctr"/>
+          </a:p>
+        </p:txBody>
+      </p:sp>
+    </p:spTree>
+  </p:cSld>
+  <p:clrMapOvr>
+    <a:masterClrMapping/>
+  </p:clrMapOvr>
+</p:sld>
+</file>
+
+<file path=ppt/slides/slide6.xml><?xml version="1.0" encoding="utf-8"?>
+<p:sld xmlns:a="http://schemas.openxmlformats.org/drawingml/2006/main" xmlns:p="http://schemas.openxmlformats.org/presentationml/2006/main" xmlns:r="http://schemas.openxmlformats.org/officeDocument/2006/relationships">
+  <p:cSld>
+    <p:spTree>
+      <p:nvGrpSpPr>
+        <p:cNvPr id="1" name=""/>
+        <p:cNvGrpSpPr/>
+        <p:nvPr/>
+      </p:nvGrpSpPr>
+      <p:grpSpPr/>
+      <p:sp>
+        <p:nvSpPr>
+          <p:cNvPr id="2" name="Title 1"/>
+          <p:cNvSpPr>
+            <a:spLocks noGrp="1"/>
+          </p:cNvSpPr>
+          <p:nvPr>
+            <p:ph type="title"/>
+          </p:nvPr>
+        </p:nvSpPr>
+        <p:spPr/>
+        <p:txBody>
+          <a:bodyPr/>
+          <a:lstStyle/>
+          <a:p>
+            <a:r>
+              <a:rPr sz="4400" b="1" i="0">
+                <a:solidFill>
+                  <a:srgbClr val="003366"/>
+                </a:solidFill>
+                <a:latin typeface="Arial"/>
+              </a:rPr>
+              <a:t>String Manipulation Techniques</a:t>
+            </a:r>
+          </a:p>
+        </p:txBody>
+      </p:sp>
+      <p:sp>
+        <p:nvSpPr>
+          <p:cNvPr id="3" name="Content Placeholder 2"/>
+          <p:cNvSpPr>
+            <a:spLocks noGrp="1"/>
+          </p:cNvSpPr>
+          <p:nvPr>
+            <p:ph idx="1"/>
+          </p:nvPr>
+        </p:nvSpPr>
+        <p:spPr/>
+        <p:txBody>
+          <a:bodyPr/>
+          <a:lstStyle/>
+          <a:p/>
+        </p:txBody>
+      </p:sp>
+      <p:sp>
+        <p:nvSpPr>
+          <p:cNvPr id="4" name="TextBox 3"/>
           <p:cNvSpPr txBox="1"/>
           <p:nvPr/>
         </p:nvSpPr>
         <p:spPr>
           <a:xfrm>
-            <a:off x="914400" y="35387280"/>
+            <a:off x="914400" y="1828800"/>
             <a:ext cx="7315200" cy="731520"/>
           </a:xfrm>
           <a:prstGeom prst="rect">
@@ -4544,58 +4477,28 @@
           </a:bodyPr>
           <a:lstStyle/>
           <a:p>
-            <a:pPr>
-              <a:defRPr sz="1800"/>
-            </a:pPr>
-            <a:r>
-              <a:rPr sz="1800">
+            <a:pPr algn="l"/>
+            <a:r>
+              <a:rPr sz="3600" b="1" i="0">
                 <a:solidFill>
                   <a:srgbClr val="000000"/>
                 </a:solidFill>
-                <a:latin typeface="Calibri"/>
+                <a:latin typeface="Arial"/>
               </a:rPr>
-              <a:t>md2ppt makes it easy to create PowerPoint presentations from Markdown</a:t>
-            </a:r>
-          </a:p>
-          <a:p>
-            <a:pPr>
-              <a:defRPr sz="1800"/>
-            </a:pPr>
-            <a:r>
-              <a:rPr sz="1800">
-                <a:solidFill>
-                  <a:srgbClr val="000000"/>
-                </a:solidFill>
-                <a:latin typeface="Calibri"/>
-              </a:rPr>
-              <a:t>Perfect for developers who prefer working with text</a:t>
-            </a:r>
-          </a:p>
-          <a:p>
-            <a:pPr>
-              <a:defRPr sz="1800"/>
-            </a:pPr>
-            <a:r>
-              <a:rPr sz="1800">
-                <a:solidFill>
-                  <a:srgbClr val="000000"/>
-                </a:solidFill>
-                <a:latin typeface="Calibri"/>
-              </a:rPr>
-              <a:t>Customizable and extensible</a:t>
-            </a:r>
-          </a:p>
-        </p:txBody>
-      </p:sp>
-      <p:sp>
-        <p:nvSpPr>
-          <p:cNvPr id="39" name="TextBox 38"/>
+              <a:t>1. String Traversal</a:t>
+            </a:r>
+          </a:p>
+        </p:txBody>
+      </p:sp>
+      <p:sp>
+        <p:nvSpPr>
+          <p:cNvPr id="5" name="TextBox 4"/>
           <p:cNvSpPr txBox="1"/>
           <p:nvPr/>
         </p:nvSpPr>
         <p:spPr>
           <a:xfrm>
-            <a:off x="914400" y="36301680"/>
+            <a:off x="914400" y="2743200"/>
             <a:ext cx="7315200" cy="914400"/>
           </a:xfrm>
           <a:prstGeom prst="rect">
@@ -4611,14 +4514,1482 @@
           <a:p>
             <a:pPr algn="l"/>
             <a:r>
-              <a:rPr sz="1800" b="0" i="0">
+              <a:rPr sz="2000" b="0" i="0">
                 <a:solidFill>
                   <a:srgbClr val="000000"/>
                 </a:solidFill>
-                <a:latin typeface="Calibri"/>
+                <a:latin typeface="Arial"/>
               </a:rPr>
-              <a:t>Thanks for using md2ppt!</a:t>
-            </a:r>
+              <a:t>For C-style strings:</a:t>
+            </a:r>
+          </a:p>
+        </p:txBody>
+      </p:sp>
+      <p:sp>
+        <p:nvSpPr>
+          <p:cNvPr id="6" name="Rectangle 5"/>
+          <p:cNvSpPr/>
+          <p:nvPr/>
+        </p:nvSpPr>
+        <p:spPr>
+          <a:xfrm>
+            <a:off x="914400" y="3840480"/>
+            <a:ext cx="7315200" cy="1828800"/>
+          </a:xfrm>
+          <a:prstGeom prst="rect">
+            <a:avLst/>
+          </a:prstGeom>
+          <a:solidFill>
+            <a:srgbClr val="F0F0F0"/>
+          </a:solidFill>
+          <a:ln w="12700">
+            <a:solidFill>
+              <a:srgbClr val="C8C8C8"/>
+            </a:solidFill>
+          </a:ln>
+        </p:spPr>
+        <p:style>
+          <a:lnRef idx="1">
+            <a:schemeClr val="accent1"/>
+          </a:lnRef>
+          <a:fillRef idx="3">
+            <a:schemeClr val="accent1"/>
+          </a:fillRef>
+          <a:effectRef idx="2">
+            <a:schemeClr val="accent1"/>
+          </a:effectRef>
+          <a:fontRef idx="minor">
+            <a:schemeClr val="lt1"/>
+          </a:fontRef>
+        </p:style>
+        <p:txBody>
+          <a:bodyPr rtlCol="0" anchor="t" wrap="square" lIns="101600" rIns="101600" tIns="101600" bIns="101600"/>
+          <a:lstStyle/>
+          <a:p>
+            <a:pPr algn="ctr">
+              <a:defRPr sz="1000">
+                <a:solidFill>
+                  <a:srgbClr val="000000"/>
+                </a:solidFill>
+                <a:latin typeface="Courier New"/>
+              </a:defRPr>
+            </a:pPr>
+            <a:r>
+              <a:t>char str[] = "Hello";</a:t>
+            </a:r>
+            <a:br/>
+            <a:r>
+              <a:t>for (int i = 0; str[i] != '\0'; i++) {</a:t>
+            </a:r>
+            <a:br/>
+            <a:r>
+              <a:t>    char c = str[i];</a:t>
+            </a:r>
+            <a:br/>
+            <a:r>
+              <a:t>    // Process character c</a:t>
+            </a:r>
+            <a:br/>
+            <a:r>
+              <a:t>}</a:t>
+            </a:r>
+            <a:br/>
+          </a:p>
+        </p:txBody>
+      </p:sp>
+      <p:sp>
+        <p:nvSpPr>
+          <p:cNvPr id="7" name="TextBox 6"/>
+          <p:cNvSpPr txBox="1"/>
+          <p:nvPr/>
+        </p:nvSpPr>
+        <p:spPr>
+          <a:xfrm>
+            <a:off x="914400" y="3566160"/>
+            <a:ext cx="1828800" cy="182880"/>
+          </a:xfrm>
+          <a:prstGeom prst="rect">
+            <a:avLst/>
+          </a:prstGeom>
+          <a:noFill/>
+        </p:spPr>
+        <p:txBody>
+          <a:bodyPr wrap="none">
+            <a:spAutoFit/>
+          </a:bodyPr>
+          <a:lstStyle/>
+          <a:p>
+            <a:r>
+              <a:rPr sz="900" b="1">
+                <a:solidFill>
+                  <a:srgbClr val="646464"/>
+                </a:solidFill>
+              </a:rPr>
+              <a:t>cpp</a:t>
+            </a:r>
+          </a:p>
+        </p:txBody>
+      </p:sp>
+      <p:sp>
+        <p:nvSpPr>
+          <p:cNvPr id="8" name="TextBox 7"/>
+          <p:cNvSpPr txBox="1"/>
+          <p:nvPr/>
+        </p:nvSpPr>
+        <p:spPr>
+          <a:xfrm>
+            <a:off x="914400" y="5852160"/>
+            <a:ext cx="7315200" cy="914400"/>
+          </a:xfrm>
+          <a:prstGeom prst="rect">
+            <a:avLst/>
+          </a:prstGeom>
+          <a:noFill/>
+        </p:spPr>
+        <p:txBody>
+          <a:bodyPr wrap="square">
+            <a:spAutoFit/>
+          </a:bodyPr>
+          <a:lstStyle/>
+          <a:p>
+            <a:pPr algn="l"/>
+            <a:r>
+              <a:rPr sz="2000" b="0" i="0">
+                <a:solidFill>
+                  <a:srgbClr val="000000"/>
+                </a:solidFill>
+                <a:latin typeface="Arial"/>
+              </a:rPr>
+              <a:t>For std::string:</a:t>
+            </a:r>
+          </a:p>
+        </p:txBody>
+      </p:sp>
+      <p:sp>
+        <p:nvSpPr>
+          <p:cNvPr id="9" name="Rectangle 8"/>
+          <p:cNvSpPr/>
+          <p:nvPr/>
+        </p:nvSpPr>
+        <p:spPr>
+          <a:xfrm>
+            <a:off x="914400" y="6949440"/>
+            <a:ext cx="7315200" cy="1828800"/>
+          </a:xfrm>
+          <a:prstGeom prst="rect">
+            <a:avLst/>
+          </a:prstGeom>
+          <a:solidFill>
+            <a:srgbClr val="F0F0F0"/>
+          </a:solidFill>
+          <a:ln w="12700">
+            <a:solidFill>
+              <a:srgbClr val="C8C8C8"/>
+            </a:solidFill>
+          </a:ln>
+        </p:spPr>
+        <p:style>
+          <a:lnRef idx="1">
+            <a:schemeClr val="accent1"/>
+          </a:lnRef>
+          <a:fillRef idx="3">
+            <a:schemeClr val="accent1"/>
+          </a:fillRef>
+          <a:effectRef idx="2">
+            <a:schemeClr val="accent1"/>
+          </a:effectRef>
+          <a:fontRef idx="minor">
+            <a:schemeClr val="lt1"/>
+          </a:fontRef>
+        </p:style>
+        <p:txBody>
+          <a:bodyPr rtlCol="0" anchor="t" wrap="square" lIns="101600" rIns="101600" tIns="101600" bIns="101600"/>
+          <a:lstStyle/>
+          <a:p>
+            <a:pPr algn="ctr">
+              <a:defRPr sz="1000">
+                <a:solidFill>
+                  <a:srgbClr val="000000"/>
+                </a:solidFill>
+                <a:latin typeface="Courier New"/>
+              </a:defRPr>
+            </a:pPr>
+            <a:r>
+              <a:t>std::string str = "Hello";</a:t>
+            </a:r>
+            <a:br/>
+            <a:r>
+              <a:t>for (char c : str) {</a:t>
+            </a:r>
+            <a:br/>
+            <a:r>
+              <a:t>    // Process character c</a:t>
+            </a:r>
+            <a:br/>
+            <a:r>
+              <a:t>}</a:t>
+            </a:r>
+            <a:br/>
+          </a:p>
+        </p:txBody>
+      </p:sp>
+      <p:sp>
+        <p:nvSpPr>
+          <p:cNvPr id="10" name="TextBox 9"/>
+          <p:cNvSpPr txBox="1"/>
+          <p:nvPr/>
+        </p:nvSpPr>
+        <p:spPr>
+          <a:xfrm>
+            <a:off x="914400" y="6675120"/>
+            <a:ext cx="1828800" cy="182880"/>
+          </a:xfrm>
+          <a:prstGeom prst="rect">
+            <a:avLst/>
+          </a:prstGeom>
+          <a:noFill/>
+        </p:spPr>
+        <p:txBody>
+          <a:bodyPr wrap="none">
+            <a:spAutoFit/>
+          </a:bodyPr>
+          <a:lstStyle/>
+          <a:p>
+            <a:r>
+              <a:rPr sz="900" b="1">
+                <a:solidFill>
+                  <a:srgbClr val="646464"/>
+                </a:solidFill>
+              </a:rPr>
+              <a:t>cpp</a:t>
+            </a:r>
+          </a:p>
+        </p:txBody>
+      </p:sp>
+      <p:sp>
+        <p:nvSpPr>
+          <p:cNvPr id="11" name="TextBox 10"/>
+          <p:cNvSpPr txBox="1"/>
+          <p:nvPr/>
+        </p:nvSpPr>
+        <p:spPr>
+          <a:xfrm>
+            <a:off x="914400" y="8961120"/>
+            <a:ext cx="7315200" cy="731520"/>
+          </a:xfrm>
+          <a:prstGeom prst="rect">
+            <a:avLst/>
+          </a:prstGeom>
+          <a:noFill/>
+        </p:spPr>
+        <p:txBody>
+          <a:bodyPr wrap="square">
+            <a:spAutoFit/>
+          </a:bodyPr>
+          <a:lstStyle/>
+          <a:p>
+            <a:pPr algn="l"/>
+            <a:r>
+              <a:rPr sz="3600" b="1" i="0">
+                <a:solidFill>
+                  <a:srgbClr val="000000"/>
+                </a:solidFill>
+                <a:latin typeface="Arial"/>
+              </a:rPr>
+              <a:t>2. String Transformation</a:t>
+            </a:r>
+          </a:p>
+        </p:txBody>
+      </p:sp>
+      <p:sp>
+        <p:nvSpPr>
+          <p:cNvPr id="12" name="TextBox 11"/>
+          <p:cNvSpPr txBox="1"/>
+          <p:nvPr/>
+        </p:nvSpPr>
+        <p:spPr>
+          <a:xfrm>
+            <a:off x="914400" y="9875520"/>
+            <a:ext cx="7315200" cy="914400"/>
+          </a:xfrm>
+          <a:prstGeom prst="rect">
+            <a:avLst/>
+          </a:prstGeom>
+          <a:noFill/>
+        </p:spPr>
+        <p:txBody>
+          <a:bodyPr wrap="square">
+            <a:spAutoFit/>
+          </a:bodyPr>
+          <a:lstStyle/>
+          <a:p>
+            <a:pPr algn="l"/>
+            <a:r>
+              <a:rPr sz="2000" b="0" i="0">
+                <a:solidFill>
+                  <a:srgbClr val="000000"/>
+                </a:solidFill>
+                <a:latin typeface="Arial"/>
+              </a:rPr>
+              <a:t>Case conversion:</a:t>
+            </a:r>
+          </a:p>
+        </p:txBody>
+      </p:sp>
+      <p:sp>
+        <p:nvSpPr>
+          <p:cNvPr id="13" name="Rectangle 12"/>
+          <p:cNvSpPr/>
+          <p:nvPr/>
+        </p:nvSpPr>
+        <p:spPr>
+          <a:xfrm>
+            <a:off x="914400" y="10972800"/>
+            <a:ext cx="7315200" cy="1828800"/>
+          </a:xfrm>
+          <a:prstGeom prst="rect">
+            <a:avLst/>
+          </a:prstGeom>
+          <a:solidFill>
+            <a:srgbClr val="F0F0F0"/>
+          </a:solidFill>
+          <a:ln w="12700">
+            <a:solidFill>
+              <a:srgbClr val="C8C8C8"/>
+            </a:solidFill>
+          </a:ln>
+        </p:spPr>
+        <p:style>
+          <a:lnRef idx="1">
+            <a:schemeClr val="accent1"/>
+          </a:lnRef>
+          <a:fillRef idx="3">
+            <a:schemeClr val="accent1"/>
+          </a:fillRef>
+          <a:effectRef idx="2">
+            <a:schemeClr val="accent1"/>
+          </a:effectRef>
+          <a:fontRef idx="minor">
+            <a:schemeClr val="lt1"/>
+          </a:fontRef>
+        </p:style>
+        <p:txBody>
+          <a:bodyPr rtlCol="0" anchor="t" wrap="square" lIns="101600" rIns="101600" tIns="101600" bIns="101600"/>
+          <a:lstStyle/>
+          <a:p>
+            <a:pPr algn="ctr">
+              <a:defRPr sz="1000">
+                <a:solidFill>
+                  <a:srgbClr val="000000"/>
+                </a:solidFill>
+                <a:latin typeface="Courier New"/>
+              </a:defRPr>
+            </a:pPr>
+            <a:r>
+              <a:t>std::string str = "Hello";</a:t>
+            </a:r>
+            <a:br/>
+            <a:r>
+              <a:t>std::transform(str.begin(), str.end(),</a:t>
+            </a:r>
+            <a:br/>
+            <a:r>
+              <a:t>              str.begin(), ::toupper);</a:t>
+            </a:r>
+            <a:br/>
+            <a:r>
+              <a:t>// Result: "HELLO"</a:t>
+            </a:r>
+            <a:br/>
+          </a:p>
+        </p:txBody>
+      </p:sp>
+      <p:sp>
+        <p:nvSpPr>
+          <p:cNvPr id="14" name="TextBox 13"/>
+          <p:cNvSpPr txBox="1"/>
+          <p:nvPr/>
+        </p:nvSpPr>
+        <p:spPr>
+          <a:xfrm>
+            <a:off x="914400" y="10698480"/>
+            <a:ext cx="1828800" cy="182880"/>
+          </a:xfrm>
+          <a:prstGeom prst="rect">
+            <a:avLst/>
+          </a:prstGeom>
+          <a:noFill/>
+        </p:spPr>
+        <p:txBody>
+          <a:bodyPr wrap="none">
+            <a:spAutoFit/>
+          </a:bodyPr>
+          <a:lstStyle/>
+          <a:p>
+            <a:r>
+              <a:rPr sz="900" b="1">
+                <a:solidFill>
+                  <a:srgbClr val="646464"/>
+                </a:solidFill>
+              </a:rPr>
+              <a:t>cpp</a:t>
+            </a:r>
+          </a:p>
+        </p:txBody>
+      </p:sp>
+      <p:sp>
+        <p:nvSpPr>
+          <p:cNvPr id="15" name="TextBox 14"/>
+          <p:cNvSpPr txBox="1"/>
+          <p:nvPr/>
+        </p:nvSpPr>
+        <p:spPr>
+          <a:xfrm>
+            <a:off x="914400" y="12984480"/>
+            <a:ext cx="7315200" cy="914400"/>
+          </a:xfrm>
+          <a:prstGeom prst="rect">
+            <a:avLst/>
+          </a:prstGeom>
+          <a:noFill/>
+        </p:spPr>
+        <p:txBody>
+          <a:bodyPr wrap="square">
+            <a:spAutoFit/>
+          </a:bodyPr>
+          <a:lstStyle/>
+          <a:p>
+            <a:pPr algn="l"/>
+            <a:r>
+              <a:rPr sz="2000" b="0" i="0">
+                <a:solidFill>
+                  <a:srgbClr val="000000"/>
+                </a:solidFill>
+                <a:latin typeface="Arial"/>
+              </a:rPr>
+              <a:t>Substring extraction:</a:t>
+            </a:r>
+          </a:p>
+        </p:txBody>
+      </p:sp>
+      <p:sp>
+        <p:nvSpPr>
+          <p:cNvPr id="16" name="Rectangle 15"/>
+          <p:cNvSpPr/>
+          <p:nvPr/>
+        </p:nvSpPr>
+        <p:spPr>
+          <a:xfrm>
+            <a:off x="914400" y="14081760"/>
+            <a:ext cx="7315200" cy="1828800"/>
+          </a:xfrm>
+          <a:prstGeom prst="rect">
+            <a:avLst/>
+          </a:prstGeom>
+          <a:solidFill>
+            <a:srgbClr val="F0F0F0"/>
+          </a:solidFill>
+          <a:ln w="12700">
+            <a:solidFill>
+              <a:srgbClr val="C8C8C8"/>
+            </a:solidFill>
+          </a:ln>
+        </p:spPr>
+        <p:style>
+          <a:lnRef idx="1">
+            <a:schemeClr val="accent1"/>
+          </a:lnRef>
+          <a:fillRef idx="3">
+            <a:schemeClr val="accent1"/>
+          </a:fillRef>
+          <a:effectRef idx="2">
+            <a:schemeClr val="accent1"/>
+          </a:effectRef>
+          <a:fontRef idx="minor">
+            <a:schemeClr val="lt1"/>
+          </a:fontRef>
+        </p:style>
+        <p:txBody>
+          <a:bodyPr rtlCol="0" anchor="t" wrap="square" lIns="101600" rIns="101600" tIns="101600" bIns="101600"/>
+          <a:lstStyle/>
+          <a:p>
+            <a:pPr algn="ctr">
+              <a:defRPr sz="1000">
+                <a:solidFill>
+                  <a:srgbClr val="000000"/>
+                </a:solidFill>
+                <a:latin typeface="Courier New"/>
+              </a:defRPr>
+            </a:pPr>
+            <a:r>
+              <a:t>std::string str = "Hello World";</a:t>
+            </a:r>
+            <a:br/>
+            <a:r>
+              <a:t>std::string sub = str.substr(6, 5);</a:t>
+            </a:r>
+            <a:br/>
+            <a:r>
+              <a:t>// Result: "World"</a:t>
+            </a:r>
+            <a:br/>
+          </a:p>
+        </p:txBody>
+      </p:sp>
+      <p:sp>
+        <p:nvSpPr>
+          <p:cNvPr id="17" name="TextBox 16"/>
+          <p:cNvSpPr txBox="1"/>
+          <p:nvPr/>
+        </p:nvSpPr>
+        <p:spPr>
+          <a:xfrm>
+            <a:off x="914400" y="13807440"/>
+            <a:ext cx="1828800" cy="182880"/>
+          </a:xfrm>
+          <a:prstGeom prst="rect">
+            <a:avLst/>
+          </a:prstGeom>
+          <a:noFill/>
+        </p:spPr>
+        <p:txBody>
+          <a:bodyPr wrap="none">
+            <a:spAutoFit/>
+          </a:bodyPr>
+          <a:lstStyle/>
+          <a:p>
+            <a:r>
+              <a:rPr sz="900" b="1">
+                <a:solidFill>
+                  <a:srgbClr val="646464"/>
+                </a:solidFill>
+              </a:rPr>
+              <a:t>cpp</a:t>
+            </a:r>
+          </a:p>
+        </p:txBody>
+      </p:sp>
+    </p:spTree>
+  </p:cSld>
+  <p:clrMapOvr>
+    <a:masterClrMapping/>
+  </p:clrMapOvr>
+</p:sld>
+</file>
+
+<file path=ppt/slides/slide7.xml><?xml version="1.0" encoding="utf-8"?>
+<p:sld xmlns:a="http://schemas.openxmlformats.org/drawingml/2006/main" xmlns:p="http://schemas.openxmlformats.org/presentationml/2006/main" xmlns:r="http://schemas.openxmlformats.org/officeDocument/2006/relationships">
+  <p:cSld>
+    <p:spTree>
+      <p:nvGrpSpPr>
+        <p:cNvPr id="1" name=""/>
+        <p:cNvGrpSpPr/>
+        <p:nvPr/>
+      </p:nvGrpSpPr>
+      <p:grpSpPr/>
+      <p:sp>
+        <p:nvSpPr>
+          <p:cNvPr id="2" name="Title 1"/>
+          <p:cNvSpPr>
+            <a:spLocks noGrp="1"/>
+          </p:cNvSpPr>
+          <p:nvPr>
+            <p:ph type="title"/>
+          </p:nvPr>
+        </p:nvSpPr>
+        <p:spPr/>
+        <p:txBody>
+          <a:bodyPr/>
+          <a:lstStyle/>
+          <a:p>
+            <a:r>
+              <a:rPr sz="4400" b="1" i="0">
+                <a:solidFill>
+                  <a:srgbClr val="003366"/>
+                </a:solidFill>
+                <a:latin typeface="Arial"/>
+              </a:rPr>
+              <a:t>Common String Operations</a:t>
+            </a:r>
+          </a:p>
+        </p:txBody>
+      </p:sp>
+      <p:sp>
+        <p:nvSpPr>
+          <p:cNvPr id="3" name="Content Placeholder 2"/>
+          <p:cNvSpPr>
+            <a:spLocks noGrp="1"/>
+          </p:cNvSpPr>
+          <p:nvPr>
+            <p:ph idx="1"/>
+          </p:nvPr>
+        </p:nvSpPr>
+        <p:spPr/>
+        <p:txBody>
+          <a:bodyPr/>
+          <a:lstStyle/>
+          <a:p/>
+        </p:txBody>
+      </p:sp>
+      <p:sp>
+        <p:nvSpPr>
+          <p:cNvPr id="4" name="TextBox 3"/>
+          <p:cNvSpPr txBox="1"/>
+          <p:nvPr/>
+        </p:nvSpPr>
+        <p:spPr>
+          <a:xfrm>
+            <a:off x="914400" y="1828800"/>
+            <a:ext cx="7315200" cy="731520"/>
+          </a:xfrm>
+          <a:prstGeom prst="rect">
+            <a:avLst/>
+          </a:prstGeom>
+          <a:noFill/>
+        </p:spPr>
+        <p:txBody>
+          <a:bodyPr wrap="square">
+            <a:spAutoFit/>
+          </a:bodyPr>
+          <a:lstStyle/>
+          <a:p>
+            <a:pPr algn="l"/>
+            <a:r>
+              <a:rPr sz="3600" b="1" i="0">
+                <a:solidFill>
+                  <a:srgbClr val="000000"/>
+                </a:solidFill>
+                <a:latin typeface="Arial"/>
+              </a:rPr>
+              <a:t>String Concatenation</a:t>
+            </a:r>
+          </a:p>
+        </p:txBody>
+      </p:sp>
+      <p:sp>
+        <p:nvSpPr>
+          <p:cNvPr id="5" name="TextBox 4"/>
+          <p:cNvSpPr txBox="1"/>
+          <p:nvPr/>
+        </p:nvSpPr>
+        <p:spPr>
+          <a:xfrm>
+            <a:off x="914400" y="2743200"/>
+            <a:ext cx="7315200" cy="914400"/>
+          </a:xfrm>
+          <a:prstGeom prst="rect">
+            <a:avLst/>
+          </a:prstGeom>
+          <a:noFill/>
+        </p:spPr>
+        <p:txBody>
+          <a:bodyPr wrap="square">
+            <a:spAutoFit/>
+          </a:bodyPr>
+          <a:lstStyle/>
+          <a:p>
+            <a:pPr algn="l"/>
+            <a:r>
+              <a:rPr sz="2000" b="0" i="0">
+                <a:solidFill>
+                  <a:srgbClr val="000000"/>
+                </a:solidFill>
+                <a:latin typeface="Arial"/>
+              </a:rPr>
+              <a:t>C-style (using strcat):</a:t>
+            </a:r>
+          </a:p>
+        </p:txBody>
+      </p:sp>
+      <p:sp>
+        <p:nvSpPr>
+          <p:cNvPr id="6" name="Rectangle 5"/>
+          <p:cNvSpPr/>
+          <p:nvPr/>
+        </p:nvSpPr>
+        <p:spPr>
+          <a:xfrm>
+            <a:off x="914400" y="3840480"/>
+            <a:ext cx="7315200" cy="1828800"/>
+          </a:xfrm>
+          <a:prstGeom prst="rect">
+            <a:avLst/>
+          </a:prstGeom>
+          <a:solidFill>
+            <a:srgbClr val="F0F0F0"/>
+          </a:solidFill>
+          <a:ln w="12700">
+            <a:solidFill>
+              <a:srgbClr val="C8C8C8"/>
+            </a:solidFill>
+          </a:ln>
+        </p:spPr>
+        <p:style>
+          <a:lnRef idx="1">
+            <a:schemeClr val="accent1"/>
+          </a:lnRef>
+          <a:fillRef idx="3">
+            <a:schemeClr val="accent1"/>
+          </a:fillRef>
+          <a:effectRef idx="2">
+            <a:schemeClr val="accent1"/>
+          </a:effectRef>
+          <a:fontRef idx="minor">
+            <a:schemeClr val="lt1"/>
+          </a:fontRef>
+        </p:style>
+        <p:txBody>
+          <a:bodyPr rtlCol="0" anchor="t" wrap="square" lIns="101600" rIns="101600" tIns="101600" bIns="101600"/>
+          <a:lstStyle/>
+          <a:p>
+            <a:pPr algn="ctr">
+              <a:defRPr sz="1000">
+                <a:solidFill>
+                  <a:srgbClr val="000000"/>
+                </a:solidFill>
+                <a:latin typeface="Courier New"/>
+              </a:defRPr>
+            </a:pPr>
+            <a:r>
+              <a:t>char str1[20] = "Hello";</a:t>
+            </a:r>
+            <a:br/>
+            <a:r>
+              <a:t>char str2[] = " World";</a:t>
+            </a:r>
+            <a:br/>
+            <a:r>
+              <a:t>strcat(str1, str2);  // str1 becomes "Hello World"</a:t>
+            </a:r>
+            <a:br/>
+          </a:p>
+        </p:txBody>
+      </p:sp>
+      <p:sp>
+        <p:nvSpPr>
+          <p:cNvPr id="7" name="TextBox 6"/>
+          <p:cNvSpPr txBox="1"/>
+          <p:nvPr/>
+        </p:nvSpPr>
+        <p:spPr>
+          <a:xfrm>
+            <a:off x="914400" y="3566160"/>
+            <a:ext cx="1828800" cy="182880"/>
+          </a:xfrm>
+          <a:prstGeom prst="rect">
+            <a:avLst/>
+          </a:prstGeom>
+          <a:noFill/>
+        </p:spPr>
+        <p:txBody>
+          <a:bodyPr wrap="none">
+            <a:spAutoFit/>
+          </a:bodyPr>
+          <a:lstStyle/>
+          <a:p>
+            <a:r>
+              <a:rPr sz="900" b="1">
+                <a:solidFill>
+                  <a:srgbClr val="646464"/>
+                </a:solidFill>
+              </a:rPr>
+              <a:t>cpp</a:t>
+            </a:r>
+          </a:p>
+        </p:txBody>
+      </p:sp>
+      <p:sp>
+        <p:nvSpPr>
+          <p:cNvPr id="8" name="TextBox 7"/>
+          <p:cNvSpPr txBox="1"/>
+          <p:nvPr/>
+        </p:nvSpPr>
+        <p:spPr>
+          <a:xfrm>
+            <a:off x="914400" y="5852160"/>
+            <a:ext cx="7315200" cy="914400"/>
+          </a:xfrm>
+          <a:prstGeom prst="rect">
+            <a:avLst/>
+          </a:prstGeom>
+          <a:noFill/>
+        </p:spPr>
+        <p:txBody>
+          <a:bodyPr wrap="square">
+            <a:spAutoFit/>
+          </a:bodyPr>
+          <a:lstStyle/>
+          <a:p>
+            <a:pPr algn="l"/>
+            <a:r>
+              <a:rPr sz="2000" b="0" i="0">
+                <a:solidFill>
+                  <a:srgbClr val="000000"/>
+                </a:solidFill>
+                <a:latin typeface="Arial"/>
+              </a:rPr>
+              <a:t>std::string:</a:t>
+            </a:r>
+          </a:p>
+        </p:txBody>
+      </p:sp>
+      <p:sp>
+        <p:nvSpPr>
+          <p:cNvPr id="9" name="Rectangle 8"/>
+          <p:cNvSpPr/>
+          <p:nvPr/>
+        </p:nvSpPr>
+        <p:spPr>
+          <a:xfrm>
+            <a:off x="914400" y="6949440"/>
+            <a:ext cx="7315200" cy="1828800"/>
+          </a:xfrm>
+          <a:prstGeom prst="rect">
+            <a:avLst/>
+          </a:prstGeom>
+          <a:solidFill>
+            <a:srgbClr val="F0F0F0"/>
+          </a:solidFill>
+          <a:ln w="12700">
+            <a:solidFill>
+              <a:srgbClr val="C8C8C8"/>
+            </a:solidFill>
+          </a:ln>
+        </p:spPr>
+        <p:style>
+          <a:lnRef idx="1">
+            <a:schemeClr val="accent1"/>
+          </a:lnRef>
+          <a:fillRef idx="3">
+            <a:schemeClr val="accent1"/>
+          </a:fillRef>
+          <a:effectRef idx="2">
+            <a:schemeClr val="accent1"/>
+          </a:effectRef>
+          <a:fontRef idx="minor">
+            <a:schemeClr val="lt1"/>
+          </a:fontRef>
+        </p:style>
+        <p:txBody>
+          <a:bodyPr rtlCol="0" anchor="t" wrap="square" lIns="101600" rIns="101600" tIns="101600" bIns="101600"/>
+          <a:lstStyle/>
+          <a:p>
+            <a:pPr algn="ctr">
+              <a:defRPr sz="1000">
+                <a:solidFill>
+                  <a:srgbClr val="000000"/>
+                </a:solidFill>
+                <a:latin typeface="Courier New"/>
+              </a:defRPr>
+            </a:pPr>
+            <a:r>
+              <a:t>std::string str1 = "Hello";</a:t>
+            </a:r>
+            <a:br/>
+            <a:r>
+              <a:t>std::string str2 = " World";</a:t>
+            </a:r>
+            <a:br/>
+            <a:r>
+              <a:t>std::string result = str1 + str2;  // "Hello World"</a:t>
+            </a:r>
+            <a:br/>
+          </a:p>
+        </p:txBody>
+      </p:sp>
+      <p:sp>
+        <p:nvSpPr>
+          <p:cNvPr id="10" name="TextBox 9"/>
+          <p:cNvSpPr txBox="1"/>
+          <p:nvPr/>
+        </p:nvSpPr>
+        <p:spPr>
+          <a:xfrm>
+            <a:off x="914400" y="6675120"/>
+            <a:ext cx="1828800" cy="182880"/>
+          </a:xfrm>
+          <a:prstGeom prst="rect">
+            <a:avLst/>
+          </a:prstGeom>
+          <a:noFill/>
+        </p:spPr>
+        <p:txBody>
+          <a:bodyPr wrap="none">
+            <a:spAutoFit/>
+          </a:bodyPr>
+          <a:lstStyle/>
+          <a:p>
+            <a:r>
+              <a:rPr sz="900" b="1">
+                <a:solidFill>
+                  <a:srgbClr val="646464"/>
+                </a:solidFill>
+              </a:rPr>
+              <a:t>cpp</a:t>
+            </a:r>
+          </a:p>
+        </p:txBody>
+      </p:sp>
+      <p:sp>
+        <p:nvSpPr>
+          <p:cNvPr id="11" name="TextBox 10"/>
+          <p:cNvSpPr txBox="1"/>
+          <p:nvPr/>
+        </p:nvSpPr>
+        <p:spPr>
+          <a:xfrm>
+            <a:off x="914400" y="8961120"/>
+            <a:ext cx="7315200" cy="731520"/>
+          </a:xfrm>
+          <a:prstGeom prst="rect">
+            <a:avLst/>
+          </a:prstGeom>
+          <a:noFill/>
+        </p:spPr>
+        <p:txBody>
+          <a:bodyPr wrap="square">
+            <a:spAutoFit/>
+          </a:bodyPr>
+          <a:lstStyle/>
+          <a:p>
+            <a:pPr algn="l"/>
+            <a:r>
+              <a:rPr sz="3600" b="1" i="0">
+                <a:solidFill>
+                  <a:srgbClr val="000000"/>
+                </a:solidFill>
+                <a:latin typeface="Arial"/>
+              </a:rPr>
+              <a:t>String Comparison</a:t>
+            </a:r>
+          </a:p>
+        </p:txBody>
+      </p:sp>
+      <p:sp>
+        <p:nvSpPr>
+          <p:cNvPr id="12" name="TextBox 11"/>
+          <p:cNvSpPr txBox="1"/>
+          <p:nvPr/>
+        </p:nvSpPr>
+        <p:spPr>
+          <a:xfrm>
+            <a:off x="914400" y="9875520"/>
+            <a:ext cx="7315200" cy="914400"/>
+          </a:xfrm>
+          <a:prstGeom prst="rect">
+            <a:avLst/>
+          </a:prstGeom>
+          <a:noFill/>
+        </p:spPr>
+        <p:txBody>
+          <a:bodyPr wrap="square">
+            <a:spAutoFit/>
+          </a:bodyPr>
+          <a:lstStyle/>
+          <a:p>
+            <a:pPr algn="l"/>
+            <a:r>
+              <a:rPr sz="2000" b="0" i="0">
+                <a:solidFill>
+                  <a:srgbClr val="000000"/>
+                </a:solidFill>
+                <a:latin typeface="Arial"/>
+              </a:rPr>
+              <a:t>C-style (using strcmp):</a:t>
+            </a:r>
+          </a:p>
+        </p:txBody>
+      </p:sp>
+      <p:sp>
+        <p:nvSpPr>
+          <p:cNvPr id="13" name="Rectangle 12"/>
+          <p:cNvSpPr/>
+          <p:nvPr/>
+        </p:nvSpPr>
+        <p:spPr>
+          <a:xfrm>
+            <a:off x="914400" y="10972800"/>
+            <a:ext cx="7315200" cy="1828800"/>
+          </a:xfrm>
+          <a:prstGeom prst="rect">
+            <a:avLst/>
+          </a:prstGeom>
+          <a:solidFill>
+            <a:srgbClr val="F0F0F0"/>
+          </a:solidFill>
+          <a:ln w="12700">
+            <a:solidFill>
+              <a:srgbClr val="C8C8C8"/>
+            </a:solidFill>
+          </a:ln>
+        </p:spPr>
+        <p:style>
+          <a:lnRef idx="1">
+            <a:schemeClr val="accent1"/>
+          </a:lnRef>
+          <a:fillRef idx="3">
+            <a:schemeClr val="accent1"/>
+          </a:fillRef>
+          <a:effectRef idx="2">
+            <a:schemeClr val="accent1"/>
+          </a:effectRef>
+          <a:fontRef idx="minor">
+            <a:schemeClr val="lt1"/>
+          </a:fontRef>
+        </p:style>
+        <p:txBody>
+          <a:bodyPr rtlCol="0" anchor="t" wrap="square" lIns="101600" rIns="101600" tIns="101600" bIns="101600"/>
+          <a:lstStyle/>
+          <a:p>
+            <a:pPr algn="ctr">
+              <a:defRPr sz="1000">
+                <a:solidFill>
+                  <a:srgbClr val="000000"/>
+                </a:solidFill>
+                <a:latin typeface="Courier New"/>
+              </a:defRPr>
+            </a:pPr>
+            <a:r>
+              <a:t>char str1[] = "Hello";</a:t>
+            </a:r>
+            <a:br/>
+            <a:r>
+              <a:t>char str2[] = "World";</a:t>
+            </a:r>
+            <a:br/>
+            <a:r>
+              <a:t>if (strcmp(str1, str2) &lt; 0) {</a:t>
+            </a:r>
+            <a:br/>
+            <a:r>
+              <a:t>    // str1 comes before str2 lexicographically</a:t>
+            </a:r>
+            <a:br/>
+            <a:r>
+              <a:t>}</a:t>
+            </a:r>
+            <a:br/>
+          </a:p>
+        </p:txBody>
+      </p:sp>
+      <p:sp>
+        <p:nvSpPr>
+          <p:cNvPr id="14" name="TextBox 13"/>
+          <p:cNvSpPr txBox="1"/>
+          <p:nvPr/>
+        </p:nvSpPr>
+        <p:spPr>
+          <a:xfrm>
+            <a:off x="914400" y="10698480"/>
+            <a:ext cx="1828800" cy="182880"/>
+          </a:xfrm>
+          <a:prstGeom prst="rect">
+            <a:avLst/>
+          </a:prstGeom>
+          <a:noFill/>
+        </p:spPr>
+        <p:txBody>
+          <a:bodyPr wrap="none">
+            <a:spAutoFit/>
+          </a:bodyPr>
+          <a:lstStyle/>
+          <a:p>
+            <a:r>
+              <a:rPr sz="900" b="1">
+                <a:solidFill>
+                  <a:srgbClr val="646464"/>
+                </a:solidFill>
+              </a:rPr>
+              <a:t>cpp</a:t>
+            </a:r>
+          </a:p>
+        </p:txBody>
+      </p:sp>
+      <p:sp>
+        <p:nvSpPr>
+          <p:cNvPr id="15" name="TextBox 14"/>
+          <p:cNvSpPr txBox="1"/>
+          <p:nvPr/>
+        </p:nvSpPr>
+        <p:spPr>
+          <a:xfrm>
+            <a:off x="914400" y="12984480"/>
+            <a:ext cx="7315200" cy="914400"/>
+          </a:xfrm>
+          <a:prstGeom prst="rect">
+            <a:avLst/>
+          </a:prstGeom>
+          <a:noFill/>
+        </p:spPr>
+        <p:txBody>
+          <a:bodyPr wrap="square">
+            <a:spAutoFit/>
+          </a:bodyPr>
+          <a:lstStyle/>
+          <a:p>
+            <a:pPr algn="l"/>
+            <a:r>
+              <a:rPr sz="2000" b="0" i="0">
+                <a:solidFill>
+                  <a:srgbClr val="000000"/>
+                </a:solidFill>
+                <a:latin typeface="Arial"/>
+              </a:rPr>
+              <a:t>std::string:</a:t>
+            </a:r>
+          </a:p>
+        </p:txBody>
+      </p:sp>
+      <p:sp>
+        <p:nvSpPr>
+          <p:cNvPr id="16" name="Rectangle 15"/>
+          <p:cNvSpPr/>
+          <p:nvPr/>
+        </p:nvSpPr>
+        <p:spPr>
+          <a:xfrm>
+            <a:off x="914400" y="14081760"/>
+            <a:ext cx="7315200" cy="1828800"/>
+          </a:xfrm>
+          <a:prstGeom prst="rect">
+            <a:avLst/>
+          </a:prstGeom>
+          <a:solidFill>
+            <a:srgbClr val="F0F0F0"/>
+          </a:solidFill>
+          <a:ln w="12700">
+            <a:solidFill>
+              <a:srgbClr val="C8C8C8"/>
+            </a:solidFill>
+          </a:ln>
+        </p:spPr>
+        <p:style>
+          <a:lnRef idx="1">
+            <a:schemeClr val="accent1"/>
+          </a:lnRef>
+          <a:fillRef idx="3">
+            <a:schemeClr val="accent1"/>
+          </a:fillRef>
+          <a:effectRef idx="2">
+            <a:schemeClr val="accent1"/>
+          </a:effectRef>
+          <a:fontRef idx="minor">
+            <a:schemeClr val="lt1"/>
+          </a:fontRef>
+        </p:style>
+        <p:txBody>
+          <a:bodyPr rtlCol="0" anchor="t" wrap="square" lIns="101600" rIns="101600" tIns="101600" bIns="101600"/>
+          <a:lstStyle/>
+          <a:p>
+            <a:pPr algn="ctr">
+              <a:defRPr sz="1000">
+                <a:solidFill>
+                  <a:srgbClr val="000000"/>
+                </a:solidFill>
+                <a:latin typeface="Courier New"/>
+              </a:defRPr>
+            </a:pPr>
+            <a:r>
+              <a:t>std::string str1 = "Hello";</a:t>
+            </a:r>
+            <a:br/>
+            <a:r>
+              <a:t>std::string str2 = "World";</a:t>
+            </a:r>
+            <a:br/>
+            <a:r>
+              <a:t>if (str1 &lt; str2) {</a:t>
+            </a:r>
+            <a:br/>
+            <a:r>
+              <a:t>    // str1 comes before str2 lexicographically</a:t>
+            </a:r>
+            <a:br/>
+            <a:r>
+              <a:t>}</a:t>
+            </a:r>
+            <a:br/>
+          </a:p>
+        </p:txBody>
+      </p:sp>
+      <p:sp>
+        <p:nvSpPr>
+          <p:cNvPr id="17" name="TextBox 16"/>
+          <p:cNvSpPr txBox="1"/>
+          <p:nvPr/>
+        </p:nvSpPr>
+        <p:spPr>
+          <a:xfrm>
+            <a:off x="914400" y="13807440"/>
+            <a:ext cx="1828800" cy="182880"/>
+          </a:xfrm>
+          <a:prstGeom prst="rect">
+            <a:avLst/>
+          </a:prstGeom>
+          <a:noFill/>
+        </p:spPr>
+        <p:txBody>
+          <a:bodyPr wrap="none">
+            <a:spAutoFit/>
+          </a:bodyPr>
+          <a:lstStyle/>
+          <a:p>
+            <a:r>
+              <a:rPr sz="900" b="1">
+                <a:solidFill>
+                  <a:srgbClr val="646464"/>
+                </a:solidFill>
+              </a:rPr>
+              <a:t>cpp</a:t>
+            </a:r>
+          </a:p>
+        </p:txBody>
+      </p:sp>
+    </p:spTree>
+  </p:cSld>
+  <p:clrMapOvr>
+    <a:masterClrMapping/>
+  </p:clrMapOvr>
+</p:sld>
+</file>
+
+<file path=ppt/slides/slide8.xml><?xml version="1.0" encoding="utf-8"?>
+<p:sld xmlns:a="http://schemas.openxmlformats.org/drawingml/2006/main" xmlns:p="http://schemas.openxmlformats.org/presentationml/2006/main" xmlns:r="http://schemas.openxmlformats.org/officeDocument/2006/relationships">
+  <p:cSld>
+    <p:spTree>
+      <p:nvGrpSpPr>
+        <p:cNvPr id="1" name=""/>
+        <p:cNvGrpSpPr/>
+        <p:nvPr/>
+      </p:nvGrpSpPr>
+      <p:grpSpPr/>
+      <p:sp>
+        <p:nvSpPr>
+          <p:cNvPr id="2" name="Title 1"/>
+          <p:cNvSpPr>
+            <a:spLocks noGrp="1"/>
+          </p:cNvSpPr>
+          <p:nvPr>
+            <p:ph type="title"/>
+          </p:nvPr>
+        </p:nvSpPr>
+        <p:spPr/>
+        <p:txBody>
+          <a:bodyPr/>
+          <a:lstStyle/>
+          <a:p>
+            <a:r>
+              <a:rPr sz="4400" b="1" i="0">
+                <a:solidFill>
+                  <a:srgbClr val="003366"/>
+                </a:solidFill>
+                <a:latin typeface="Arial"/>
+              </a:rPr>
+              <a:t>Best Practices</a:t>
+            </a:r>
+          </a:p>
+        </p:txBody>
+      </p:sp>
+      <p:sp>
+        <p:nvSpPr>
+          <p:cNvPr id="3" name="Content Placeholder 2"/>
+          <p:cNvSpPr>
+            <a:spLocks noGrp="1"/>
+          </p:cNvSpPr>
+          <p:nvPr>
+            <p:ph idx="1"/>
+          </p:nvPr>
+        </p:nvSpPr>
+        <p:spPr/>
+        <p:txBody>
+          <a:bodyPr/>
+          <a:lstStyle/>
+          <a:p/>
+        </p:txBody>
+      </p:sp>
+      <p:sp>
+        <p:nvSpPr>
+          <p:cNvPr id="4" name="TextBox 3"/>
+          <p:cNvSpPr txBox="1"/>
+          <p:nvPr/>
+        </p:nvSpPr>
+        <p:spPr>
+          <a:xfrm>
+            <a:off x="914400" y="1828800"/>
+            <a:ext cx="7315200" cy="731520"/>
+          </a:xfrm>
+          <a:prstGeom prst="rect">
+            <a:avLst/>
+          </a:prstGeom>
+          <a:noFill/>
+        </p:spPr>
+        <p:txBody>
+          <a:bodyPr wrap="square">
+            <a:spAutoFit/>
+          </a:bodyPr>
+          <a:lstStyle/>
+          <a:p>
+            <a:pPr>
+              <a:defRPr sz="2000"/>
+            </a:pPr>
+            <a:r>
+              <a:rPr sz="2000">
+                <a:solidFill>
+                  <a:srgbClr val="000000"/>
+                </a:solidFill>
+                <a:latin typeface="Arial"/>
+              </a:rPr>
+              <a:t>Use std::string by default</a:t>
+            </a:r>
+          </a:p>
+          <a:p>
+            <a:pPr>
+              <a:defRPr sz="2000"/>
+            </a:pPr>
+            <a:r>
+              <a:rPr sz="2000">
+                <a:solidFill>
+                  <a:srgbClr val="000000"/>
+                </a:solidFill>
+                <a:latin typeface="Arial"/>
+              </a:rPr>
+              <a:t>Only use C-style strings when interfacing with C APIs</a:t>
+            </a:r>
+          </a:p>
+          <a:p>
+            <a:pPr>
+              <a:defRPr sz="2000"/>
+            </a:pPr>
+            <a:r>
+              <a:rPr sz="2000">
+                <a:solidFill>
+                  <a:srgbClr val="000000"/>
+                </a:solidFill>
+                <a:latin typeface="Arial"/>
+              </a:rPr>
+              <a:t>Be careful with string literals vs. string objects</a:t>
+            </a:r>
+          </a:p>
+          <a:p>
+            <a:pPr>
+              <a:defRPr sz="2000"/>
+            </a:pPr>
+            <a:r>
+              <a:rPr sz="2000">
+                <a:solidFill>
+                  <a:srgbClr val="000000"/>
+                </a:solidFill>
+                <a:latin typeface="Arial"/>
+              </a:rPr>
+              <a:t>Always check string bounds before accessing</a:t>
+            </a:r>
+          </a:p>
+          <a:p>
+            <a:pPr>
+              <a:defRPr sz="2000"/>
+            </a:pPr>
+            <a:r>
+              <a:rPr sz="2000">
+                <a:solidFill>
+                  <a:srgbClr val="000000"/>
+                </a:solidFill>
+                <a:latin typeface="Arial"/>
+              </a:rPr>
+              <a:t>For performance-critical code, consider string_view (C++17)</a:t>
+            </a:r>
+          </a:p>
+          <a:p>
+            <a:pPr>
+              <a:defRPr sz="2000"/>
+            </a:pPr>
+            <a:r>
+              <a:rPr sz="2000">
+                <a:solidFill>
+                  <a:srgbClr val="000000"/>
+                </a:solidFill>
+                <a:latin typeface="Arial"/>
+              </a:rPr>
+              <a:t>Remember that strings are mutable in C++</a:t>
+            </a:r>
+          </a:p>
+        </p:txBody>
+      </p:sp>
+      <p:sp>
+        <p:nvSpPr>
+          <p:cNvPr id="5" name="TextBox 4"/>
+          <p:cNvSpPr txBox="1"/>
+          <p:nvPr/>
+        </p:nvSpPr>
+        <p:spPr>
+          <a:xfrm>
+            <a:off x="1371600" y="2743200"/>
+            <a:ext cx="6400800" cy="1371600"/>
+          </a:xfrm>
+          <a:prstGeom prst="rect">
+            <a:avLst/>
+          </a:prstGeom>
+          <a:noFill/>
+        </p:spPr>
+        <p:txBody>
+          <a:bodyPr wrap="square">
+            <a:spAutoFit/>
+          </a:bodyPr>
+          <a:lstStyle/>
+          <a:p>
+            <a:br/>
+            <a:pPr>
+              <a:defRPr i="1" sz="2000"/>
+            </a:pPr>
+            <a:r>
+              <a:rPr sz="2000" i="1">
+                <a:solidFill>
+                  <a:srgbClr val="99CCFF"/>
+                </a:solidFill>
+                <a:latin typeface="Arial"/>
+              </a:rPr>
+              <a:t>*"Always use std::string unless you have a very compelling reason not to. Your future self will thank you."*</a:t>
+            </a:r>
+            <a:br/>
+          </a:p>
+        </p:txBody>
+      </p:sp>
+      <p:sp>
+        <p:nvSpPr>
+          <p:cNvPr id="6" name="Rectangle 5"/>
+          <p:cNvSpPr/>
+          <p:nvPr/>
+        </p:nvSpPr>
+        <p:spPr>
+          <a:xfrm>
+            <a:off x="914400" y="2743200"/>
+            <a:ext cx="91440" cy="1371600"/>
+          </a:xfrm>
+          <a:prstGeom prst="rect">
+            <a:avLst/>
+          </a:prstGeom>
+          <a:solidFill>
+            <a:srgbClr val="C8C8C8"/>
+          </a:solidFill>
+        </p:spPr>
+        <p:style>
+          <a:lnRef idx="1">
+            <a:schemeClr val="accent1"/>
+          </a:lnRef>
+          <a:fillRef idx="3">
+            <a:schemeClr val="accent1"/>
+          </a:fillRef>
+          <a:effectRef idx="2">
+            <a:schemeClr val="accent1"/>
+          </a:effectRef>
+          <a:fontRef idx="minor">
+            <a:schemeClr val="lt1"/>
+          </a:fontRef>
+        </p:style>
+        <p:txBody>
+          <a:bodyPr rtlCol="0" anchor="ctr"/>
+          <a:lstStyle/>
+          <a:p>
+            <a:pPr algn="ctr"/>
           </a:p>
         </p:txBody>
       </p:sp>
